--- a/PPT/06-Accenture-FS-Angular-Directive.pptx
+++ b/PPT/06-Accenture-FS-Angular-Directive.pptx
@@ -31,7 +31,7 @@
   <p:sldSz cx="9144000" cy="6858000" type="screen4x3"/>
   <p:notesSz cx="7099300" cy="10234613"/>
   <p:custDataLst>
-    <p:tags r:id="rId23"/>
+    <p:tags r:id="rId24"/>
   </p:custDataLst>
   <p:defaultTextStyle>
     <a:defPPr>
@@ -160,7 +160,7 @@
   </p:defaultTextStyle>
   <p:extLst>
     <p:ext uri="{EFAFB233-063F-42B5-8137-9DF3F51BA10A}">
-      <p15:sldGuideLst xmlns:p15="http://schemas.microsoft.com/office/powerpoint/2012/main">
+      <p15:sldGuideLst xmlns:p15="http://schemas.microsoft.com/office/powerpoint/2012/main" xmlns="">
         <p15:guide id="1" orient="horz" pos="1275">
           <p15:clr>
             <a:srgbClr val="A4A3A4"/>
@@ -199,7 +199,7 @@
       </p15:sldGuideLst>
     </p:ext>
     <p:ext uri="{2D200454-40CA-4A62-9FC3-DE9A4176ACB9}">
-      <p15:notesGuideLst xmlns:p15="http://schemas.microsoft.com/office/powerpoint/2012/main">
+      <p15:notesGuideLst xmlns:p15="http://schemas.microsoft.com/office/powerpoint/2012/main" xmlns="">
         <p15:guide id="1" orient="horz" pos="3223">
           <p15:clr>
             <a:srgbClr val="A4A3A4"/>
@@ -404,7 +404,7 @@
             <a:tailEnd/>
           </a:ln>
           <a:extLst>
-            <a:ext uri="{909E8E84-426E-40DD-AFC4-6F175D3DCCD1}">
+            <a:ext uri="{909E8E84-426E-40dd-AFC4-6F175D3DCCD1}">
               <a14:hiddenFill xmlns:a14="http://schemas.microsoft.com/office/drawing/2010/main">
                 <a:solidFill>
                   <a:srgbClr val="FFFFFF"/>
@@ -753,14 +753,14 @@
           <a:noFill/>
           <a:ln/>
           <a:extLst>
-            <a:ext uri="{909E8E84-426E-40DD-AFC4-6F175D3DCCD1}">
+            <a:ext uri="{909E8E84-426E-40dd-AFC4-6F175D3DCCD1}">
               <a14:hiddenFill xmlns:a14="http://schemas.microsoft.com/office/drawing/2010/main">
                 <a:solidFill>
                   <a:srgbClr val="FFFFFF"/>
                 </a:solidFill>
               </a14:hiddenFill>
             </a:ext>
-            <a:ext uri="{91240B29-F687-4F45-9708-019B960494DF}">
+            <a:ext uri="{91240B29-F687-4f45-9708-019B960494DF}">
               <a14:hiddenLine xmlns:a14="http://schemas.microsoft.com/office/drawing/2010/main" w="9525">
                 <a:solidFill>
                   <a:srgbClr val="000000"/>
@@ -894,14 +894,14 @@
           <a:noFill/>
           <a:ln/>
           <a:extLst>
-            <a:ext uri="{909E8E84-426E-40DD-AFC4-6F175D3DCCD1}">
+            <a:ext uri="{909E8E84-426E-40dd-AFC4-6F175D3DCCD1}">
               <a14:hiddenFill xmlns:a14="http://schemas.microsoft.com/office/drawing/2010/main">
                 <a:solidFill>
                   <a:srgbClr val="FFFFFF"/>
                 </a:solidFill>
               </a14:hiddenFill>
             </a:ext>
-            <a:ext uri="{91240B29-F687-4F45-9708-019B960494DF}">
+            <a:ext uri="{91240B29-F687-4f45-9708-019B960494DF}">
               <a14:hiddenLine xmlns:a14="http://schemas.microsoft.com/office/drawing/2010/main" w="9525">
                 <a:solidFill>
                   <a:srgbClr val="000000"/>
@@ -1035,14 +1035,14 @@
           <a:noFill/>
           <a:ln/>
           <a:extLst>
-            <a:ext uri="{909E8E84-426E-40DD-AFC4-6F175D3DCCD1}">
+            <a:ext uri="{909E8E84-426E-40dd-AFC4-6F175D3DCCD1}">
               <a14:hiddenFill xmlns:a14="http://schemas.microsoft.com/office/drawing/2010/main">
                 <a:solidFill>
                   <a:srgbClr val="FFFFFF"/>
                 </a:solidFill>
               </a14:hiddenFill>
             </a:ext>
-            <a:ext uri="{91240B29-F687-4F45-9708-019B960494DF}">
+            <a:ext uri="{91240B29-F687-4f45-9708-019B960494DF}">
               <a14:hiddenLine xmlns:a14="http://schemas.microsoft.com/office/drawing/2010/main" w="9525">
                 <a:solidFill>
                   <a:srgbClr val="000000"/>
@@ -1177,14 +1177,14 @@
           <a:noFill/>
           <a:ln/>
           <a:extLst>
-            <a:ext uri="{909E8E84-426E-40DD-AFC4-6F175D3DCCD1}">
+            <a:ext uri="{909E8E84-426E-40dd-AFC4-6F175D3DCCD1}">
               <a14:hiddenFill xmlns:a14="http://schemas.microsoft.com/office/drawing/2010/main">
                 <a:solidFill>
                   <a:srgbClr val="FFFFFF"/>
                 </a:solidFill>
               </a14:hiddenFill>
             </a:ext>
-            <a:ext uri="{91240B29-F687-4F45-9708-019B960494DF}">
+            <a:ext uri="{91240B29-F687-4f45-9708-019B960494DF}">
               <a14:hiddenLine xmlns:a14="http://schemas.microsoft.com/office/drawing/2010/main" w="9525">
                 <a:solidFill>
                   <a:srgbClr val="000000"/>
@@ -1334,14 +1334,14 @@
           <a:noFill/>
           <a:ln/>
           <a:extLst>
-            <a:ext uri="{909E8E84-426E-40DD-AFC4-6F175D3DCCD1}">
+            <a:ext uri="{909E8E84-426E-40dd-AFC4-6F175D3DCCD1}">
               <a14:hiddenFill xmlns:a14="http://schemas.microsoft.com/office/drawing/2010/main">
                 <a:solidFill>
                   <a:srgbClr val="FFFFFF"/>
                 </a:solidFill>
               </a14:hiddenFill>
             </a:ext>
-            <a:ext uri="{91240B29-F687-4F45-9708-019B960494DF}">
+            <a:ext uri="{91240B29-F687-4f45-9708-019B960494DF}">
               <a14:hiddenLine xmlns:a14="http://schemas.microsoft.com/office/drawing/2010/main" w="9525">
                 <a:solidFill>
                   <a:srgbClr val="000000"/>
@@ -1407,14 +1407,14 @@
           <a:noFill/>
           <a:ln/>
           <a:extLst>
-            <a:ext uri="{909E8E84-426E-40DD-AFC4-6F175D3DCCD1}">
+            <a:ext uri="{909E8E84-426E-40dd-AFC4-6F175D3DCCD1}">
               <a14:hiddenFill xmlns:a14="http://schemas.microsoft.com/office/drawing/2010/main">
                 <a:solidFill>
                   <a:srgbClr val="FFFFFF"/>
                 </a:solidFill>
               </a14:hiddenFill>
             </a:ext>
-            <a:ext uri="{91240B29-F687-4F45-9708-019B960494DF}">
+            <a:ext uri="{91240B29-F687-4f45-9708-019B960494DF}">
               <a14:hiddenLine xmlns:a14="http://schemas.microsoft.com/office/drawing/2010/main" w="9525">
                 <a:solidFill>
                   <a:srgbClr val="000000"/>
@@ -1548,14 +1548,14 @@
           <a:noFill/>
           <a:ln/>
           <a:extLst>
-            <a:ext uri="{909E8E84-426E-40DD-AFC4-6F175D3DCCD1}">
+            <a:ext uri="{909E8E84-426E-40dd-AFC4-6F175D3DCCD1}">
               <a14:hiddenFill xmlns:a14="http://schemas.microsoft.com/office/drawing/2010/main">
                 <a:solidFill>
                   <a:srgbClr val="FFFFFF"/>
                 </a:solidFill>
               </a14:hiddenFill>
             </a:ext>
-            <a:ext uri="{91240B29-F687-4F45-9708-019B960494DF}">
+            <a:ext uri="{91240B29-F687-4f45-9708-019B960494DF}">
               <a14:hiddenLine xmlns:a14="http://schemas.microsoft.com/office/drawing/2010/main" w="9525">
                 <a:solidFill>
                   <a:srgbClr val="000000"/>
@@ -1689,14 +1689,14 @@
           <a:noFill/>
           <a:ln/>
           <a:extLst>
-            <a:ext uri="{909E8E84-426E-40DD-AFC4-6F175D3DCCD1}">
+            <a:ext uri="{909E8E84-426E-40dd-AFC4-6F175D3DCCD1}">
               <a14:hiddenFill xmlns:a14="http://schemas.microsoft.com/office/drawing/2010/main">
                 <a:solidFill>
                   <a:srgbClr val="FFFFFF"/>
                 </a:solidFill>
               </a14:hiddenFill>
             </a:ext>
-            <a:ext uri="{91240B29-F687-4F45-9708-019B960494DF}">
+            <a:ext uri="{91240B29-F687-4f45-9708-019B960494DF}">
               <a14:hiddenLine xmlns:a14="http://schemas.microsoft.com/office/drawing/2010/main" w="9525">
                 <a:solidFill>
                   <a:srgbClr val="000000"/>
@@ -1830,14 +1830,14 @@
           <a:noFill/>
           <a:ln/>
           <a:extLst>
-            <a:ext uri="{909E8E84-426E-40DD-AFC4-6F175D3DCCD1}">
+            <a:ext uri="{909E8E84-426E-40dd-AFC4-6F175D3DCCD1}">
               <a14:hiddenFill xmlns:a14="http://schemas.microsoft.com/office/drawing/2010/main">
                 <a:solidFill>
                   <a:srgbClr val="FFFFFF"/>
                 </a:solidFill>
               </a14:hiddenFill>
             </a:ext>
-            <a:ext uri="{91240B29-F687-4F45-9708-019B960494DF}">
+            <a:ext uri="{91240B29-F687-4f45-9708-019B960494DF}">
               <a14:hiddenLine xmlns:a14="http://schemas.microsoft.com/office/drawing/2010/main" w="9525">
                 <a:solidFill>
                   <a:srgbClr val="000000"/>
@@ -1987,14 +1987,14 @@
           <a:noFill/>
           <a:ln/>
           <a:extLst>
-            <a:ext uri="{909E8E84-426E-40DD-AFC4-6F175D3DCCD1}">
+            <a:ext uri="{909E8E84-426E-40dd-AFC4-6F175D3DCCD1}">
               <a14:hiddenFill xmlns:a14="http://schemas.microsoft.com/office/drawing/2010/main">
                 <a:solidFill>
                   <a:srgbClr val="FFFFFF"/>
                 </a:solidFill>
               </a14:hiddenFill>
             </a:ext>
-            <a:ext uri="{91240B29-F687-4F45-9708-019B960494DF}">
+            <a:ext uri="{91240B29-F687-4f45-9708-019B960494DF}">
               <a14:hiddenLine xmlns:a14="http://schemas.microsoft.com/office/drawing/2010/main" w="9525">
                 <a:solidFill>
                   <a:srgbClr val="000000"/>
@@ -2072,14 +2072,14 @@
           <a:noFill/>
           <a:ln/>
           <a:extLst>
-            <a:ext uri="{909E8E84-426E-40DD-AFC4-6F175D3DCCD1}">
+            <a:ext uri="{909E8E84-426E-40dd-AFC4-6F175D3DCCD1}">
               <a14:hiddenFill xmlns:a14="http://schemas.microsoft.com/office/drawing/2010/main">
                 <a:solidFill>
                   <a:srgbClr val="FFFFFF"/>
                 </a:solidFill>
               </a14:hiddenFill>
             </a:ext>
-            <a:ext uri="{91240B29-F687-4F45-9708-019B960494DF}">
+            <a:ext uri="{91240B29-F687-4f45-9708-019B960494DF}">
               <a14:hiddenLine xmlns:a14="http://schemas.microsoft.com/office/drawing/2010/main" w="9525">
                 <a:solidFill>
                   <a:srgbClr val="000000"/>
@@ -2172,14 +2172,14 @@
             <a:noFill/>
           </a:ln>
           <a:extLst>
-            <a:ext uri="{909E8E84-426E-40DD-AFC4-6F175D3DCCD1}">
+            <a:ext uri="{909E8E84-426E-40dd-AFC4-6F175D3DCCD1}">
               <a14:hiddenFill xmlns:a14="http://schemas.microsoft.com/office/drawing/2010/main">
                 <a:solidFill>
                   <a:srgbClr val="FFFFFF"/>
                 </a:solidFill>
               </a14:hiddenFill>
             </a:ext>
-            <a:ext uri="{91240B29-F687-4F45-9708-019B960494DF}">
+            <a:ext uri="{91240B29-F687-4f45-9708-019B960494DF}">
               <a14:hiddenLine xmlns:a14="http://schemas.microsoft.com/office/drawing/2010/main" w="9525">
                 <a:solidFill>
                   <a:srgbClr val="000000"/>
@@ -2320,14 +2320,14 @@
             <a:noFill/>
           </a:ln>
           <a:extLst>
-            <a:ext uri="{909E8E84-426E-40DD-AFC4-6F175D3DCCD1}">
+            <a:ext uri="{909E8E84-426E-40dd-AFC4-6F175D3DCCD1}">
               <a14:hiddenFill xmlns:a14="http://schemas.microsoft.com/office/drawing/2010/main">
                 <a:solidFill>
                   <a:srgbClr val="FFFFFF"/>
                 </a:solidFill>
               </a14:hiddenFill>
             </a:ext>
-            <a:ext uri="{91240B29-F687-4F45-9708-019B960494DF}">
+            <a:ext uri="{91240B29-F687-4f45-9708-019B960494DF}">
               <a14:hiddenLine xmlns:a14="http://schemas.microsoft.com/office/drawing/2010/main" w="9525">
                 <a:solidFill>
                   <a:srgbClr val="000000"/>
@@ -2469,14 +2469,14 @@
             <a:noFill/>
           </a:ln>
           <a:extLst>
-            <a:ext uri="{909E8E84-426E-40DD-AFC4-6F175D3DCCD1}">
+            <a:ext uri="{909E8E84-426E-40dd-AFC4-6F175D3DCCD1}">
               <a14:hiddenFill xmlns:a14="http://schemas.microsoft.com/office/drawing/2010/main">
                 <a:solidFill>
                   <a:srgbClr val="FFFFFF"/>
                 </a:solidFill>
               </a14:hiddenFill>
             </a:ext>
-            <a:ext uri="{91240B29-F687-4F45-9708-019B960494DF}">
+            <a:ext uri="{91240B29-F687-4f45-9708-019B960494DF}">
               <a14:hiddenLine xmlns:a14="http://schemas.microsoft.com/office/drawing/2010/main" w="9525">
                 <a:solidFill>
                   <a:srgbClr val="000000"/>
@@ -2618,14 +2618,14 @@
             <a:noFill/>
           </a:ln>
           <a:extLst>
-            <a:ext uri="{909E8E84-426E-40DD-AFC4-6F175D3DCCD1}">
+            <a:ext uri="{909E8E84-426E-40dd-AFC4-6F175D3DCCD1}">
               <a14:hiddenFill xmlns:a14="http://schemas.microsoft.com/office/drawing/2010/main">
                 <a:solidFill>
                   <a:srgbClr val="FFFFFF"/>
                 </a:solidFill>
               </a14:hiddenFill>
             </a:ext>
-            <a:ext uri="{91240B29-F687-4F45-9708-019B960494DF}">
+            <a:ext uri="{91240B29-F687-4f45-9708-019B960494DF}">
               <a14:hiddenLine xmlns:a14="http://schemas.microsoft.com/office/drawing/2010/main" w="9525">
                 <a:solidFill>
                   <a:srgbClr val="000000"/>
@@ -2806,14 +2806,14 @@
           <a:noFill/>
           <a:ln/>
           <a:extLst>
-            <a:ext uri="{909E8E84-426E-40DD-AFC4-6F175D3DCCD1}">
+            <a:ext uri="{909E8E84-426E-40dd-AFC4-6F175D3DCCD1}">
               <a14:hiddenFill xmlns:a14="http://schemas.microsoft.com/office/drawing/2010/main">
                 <a:solidFill>
                   <a:srgbClr val="FFFFFF"/>
                 </a:solidFill>
               </a14:hiddenFill>
             </a:ext>
-            <a:ext uri="{91240B29-F687-4F45-9708-019B960494DF}">
+            <a:ext uri="{91240B29-F687-4f45-9708-019B960494DF}">
               <a14:hiddenLine xmlns:a14="http://schemas.microsoft.com/office/drawing/2010/main" w="9525">
                 <a:solidFill>
                   <a:srgbClr val="000000"/>
@@ -2906,14 +2906,14 @@
             <a:noFill/>
           </a:ln>
           <a:extLst>
-            <a:ext uri="{909E8E84-426E-40DD-AFC4-6F175D3DCCD1}">
+            <a:ext uri="{909E8E84-426E-40dd-AFC4-6F175D3DCCD1}">
               <a14:hiddenFill xmlns:a14="http://schemas.microsoft.com/office/drawing/2010/main">
                 <a:solidFill>
                   <a:srgbClr val="FFFFFF"/>
                 </a:solidFill>
               </a14:hiddenFill>
             </a:ext>
-            <a:ext uri="{91240B29-F687-4F45-9708-019B960494DF}">
+            <a:ext uri="{91240B29-F687-4f45-9708-019B960494DF}">
               <a14:hiddenLine xmlns:a14="http://schemas.microsoft.com/office/drawing/2010/main" w="9525">
                 <a:solidFill>
                   <a:srgbClr val="000000"/>
@@ -3054,14 +3054,14 @@
             <a:noFill/>
           </a:ln>
           <a:extLst>
-            <a:ext uri="{909E8E84-426E-40DD-AFC4-6F175D3DCCD1}">
+            <a:ext uri="{909E8E84-426E-40dd-AFC4-6F175D3DCCD1}">
               <a14:hiddenFill xmlns:a14="http://schemas.microsoft.com/office/drawing/2010/main">
                 <a:solidFill>
                   <a:srgbClr val="FFFFFF"/>
                 </a:solidFill>
               </a14:hiddenFill>
             </a:ext>
-            <a:ext uri="{91240B29-F687-4F45-9708-019B960494DF}">
+            <a:ext uri="{91240B29-F687-4f45-9708-019B960494DF}">
               <a14:hiddenLine xmlns:a14="http://schemas.microsoft.com/office/drawing/2010/main" w="9525">
                 <a:solidFill>
                   <a:srgbClr val="000000"/>
@@ -3203,14 +3203,14 @@
             <a:noFill/>
           </a:ln>
           <a:extLst>
-            <a:ext uri="{909E8E84-426E-40DD-AFC4-6F175D3DCCD1}">
+            <a:ext uri="{909E8E84-426E-40dd-AFC4-6F175D3DCCD1}">
               <a14:hiddenFill xmlns:a14="http://schemas.microsoft.com/office/drawing/2010/main">
                 <a:solidFill>
                   <a:srgbClr val="FFFFFF"/>
                 </a:solidFill>
               </a14:hiddenFill>
             </a:ext>
-            <a:ext uri="{91240B29-F687-4F45-9708-019B960494DF}">
+            <a:ext uri="{91240B29-F687-4f45-9708-019B960494DF}">
               <a14:hiddenLine xmlns:a14="http://schemas.microsoft.com/office/drawing/2010/main" w="9525">
                 <a:solidFill>
                   <a:srgbClr val="000000"/>
@@ -3352,14 +3352,14 @@
             <a:noFill/>
           </a:ln>
           <a:extLst>
-            <a:ext uri="{909E8E84-426E-40DD-AFC4-6F175D3DCCD1}">
+            <a:ext uri="{909E8E84-426E-40dd-AFC4-6F175D3DCCD1}">
               <a14:hiddenFill xmlns:a14="http://schemas.microsoft.com/office/drawing/2010/main">
                 <a:solidFill>
                   <a:srgbClr val="FFFFFF"/>
                 </a:solidFill>
               </a14:hiddenFill>
             </a:ext>
-            <a:ext uri="{91240B29-F687-4F45-9708-019B960494DF}">
+            <a:ext uri="{91240B29-F687-4f45-9708-019B960494DF}">
               <a14:hiddenLine xmlns:a14="http://schemas.microsoft.com/office/drawing/2010/main" w="9525">
                 <a:solidFill>
                   <a:srgbClr val="000000"/>
@@ -3526,14 +3526,14 @@
           <a:noFill/>
           <a:ln/>
           <a:extLst>
-            <a:ext uri="{909E8E84-426E-40DD-AFC4-6F175D3DCCD1}">
+            <a:ext uri="{909E8E84-426E-40dd-AFC4-6F175D3DCCD1}">
               <a14:hiddenFill xmlns:a14="http://schemas.microsoft.com/office/drawing/2010/main">
                 <a:solidFill>
                   <a:srgbClr val="FFFFFF"/>
                 </a:solidFill>
               </a14:hiddenFill>
             </a:ext>
-            <a:ext uri="{91240B29-F687-4F45-9708-019B960494DF}">
+            <a:ext uri="{91240B29-F687-4f45-9708-019B960494DF}">
               <a14:hiddenLine xmlns:a14="http://schemas.microsoft.com/office/drawing/2010/main" w="9525">
                 <a:solidFill>
                   <a:srgbClr val="000000"/>
@@ -3667,14 +3667,14 @@
           <a:noFill/>
           <a:ln/>
           <a:extLst>
-            <a:ext uri="{909E8E84-426E-40DD-AFC4-6F175D3DCCD1}">
+            <a:ext uri="{909E8E84-426E-40dd-AFC4-6F175D3DCCD1}">
               <a14:hiddenFill xmlns:a14="http://schemas.microsoft.com/office/drawing/2010/main">
                 <a:solidFill>
                   <a:srgbClr val="FFFFFF"/>
                 </a:solidFill>
               </a14:hiddenFill>
             </a:ext>
-            <a:ext uri="{91240B29-F687-4F45-9708-019B960494DF}">
+            <a:ext uri="{91240B29-F687-4f45-9708-019B960494DF}">
               <a14:hiddenLine xmlns:a14="http://schemas.microsoft.com/office/drawing/2010/main" w="9525">
                 <a:solidFill>
                   <a:srgbClr val="000000"/>
@@ -3808,14 +3808,14 @@
           <a:noFill/>
           <a:ln/>
           <a:extLst>
-            <a:ext uri="{909E8E84-426E-40DD-AFC4-6F175D3DCCD1}">
+            <a:ext uri="{909E8E84-426E-40dd-AFC4-6F175D3DCCD1}">
               <a14:hiddenFill xmlns:a14="http://schemas.microsoft.com/office/drawing/2010/main">
                 <a:solidFill>
                   <a:srgbClr val="FFFFFF"/>
                 </a:solidFill>
               </a14:hiddenFill>
             </a:ext>
-            <a:ext uri="{91240B29-F687-4F45-9708-019B960494DF}">
+            <a:ext uri="{91240B29-F687-4f45-9708-019B960494DF}">
               <a14:hiddenLine xmlns:a14="http://schemas.microsoft.com/office/drawing/2010/main" w="9525">
                 <a:solidFill>
                   <a:srgbClr val="000000"/>
@@ -3949,14 +3949,14 @@
           <a:noFill/>
           <a:ln/>
           <a:extLst>
-            <a:ext uri="{909E8E84-426E-40DD-AFC4-6F175D3DCCD1}">
+            <a:ext uri="{909E8E84-426E-40dd-AFC4-6F175D3DCCD1}">
               <a14:hiddenFill xmlns:a14="http://schemas.microsoft.com/office/drawing/2010/main">
                 <a:solidFill>
                   <a:srgbClr val="FFFFFF"/>
                 </a:solidFill>
               </a14:hiddenFill>
             </a:ext>
-            <a:ext uri="{91240B29-F687-4F45-9708-019B960494DF}">
+            <a:ext uri="{91240B29-F687-4f45-9708-019B960494DF}">
               <a14:hiddenLine xmlns:a14="http://schemas.microsoft.com/office/drawing/2010/main" w="9525">
                 <a:solidFill>
                   <a:srgbClr val="000000"/>
@@ -4106,14 +4106,14 @@
           <a:noFill/>
           <a:ln/>
           <a:extLst>
-            <a:ext uri="{909E8E84-426E-40DD-AFC4-6F175D3DCCD1}">
+            <a:ext uri="{909E8E84-426E-40dd-AFC4-6F175D3DCCD1}">
               <a14:hiddenFill xmlns:a14="http://schemas.microsoft.com/office/drawing/2010/main">
                 <a:solidFill>
                   <a:srgbClr val="FFFFFF"/>
                 </a:solidFill>
               </a14:hiddenFill>
             </a:ext>
-            <a:ext uri="{91240B29-F687-4F45-9708-019B960494DF}">
+            <a:ext uri="{91240B29-F687-4f45-9708-019B960494DF}">
               <a14:hiddenLine xmlns:a14="http://schemas.microsoft.com/office/drawing/2010/main" w="9525">
                 <a:solidFill>
                   <a:srgbClr val="000000"/>
@@ -4177,14 +4177,14 @@
           <a:noFill/>
           <a:ln/>
           <a:extLst>
-            <a:ext uri="{909E8E84-426E-40DD-AFC4-6F175D3DCCD1}">
+            <a:ext uri="{909E8E84-426E-40dd-AFC4-6F175D3DCCD1}">
               <a14:hiddenFill xmlns:a14="http://schemas.microsoft.com/office/drawing/2010/main">
                 <a:solidFill>
                   <a:srgbClr val="FFFFFF"/>
                 </a:solidFill>
               </a14:hiddenFill>
             </a:ext>
-            <a:ext uri="{91240B29-F687-4F45-9708-019B960494DF}">
+            <a:ext uri="{91240B29-F687-4f45-9708-019B960494DF}">
               <a14:hiddenLine xmlns:a14="http://schemas.microsoft.com/office/drawing/2010/main" w="9525">
                 <a:solidFill>
                   <a:srgbClr val="000000"/>
@@ -4318,14 +4318,14 @@
           <a:noFill/>
           <a:ln/>
           <a:extLst>
-            <a:ext uri="{909E8E84-426E-40DD-AFC4-6F175D3DCCD1}">
+            <a:ext uri="{909E8E84-426E-40dd-AFC4-6F175D3DCCD1}">
               <a14:hiddenFill xmlns:a14="http://schemas.microsoft.com/office/drawing/2010/main">
                 <a:solidFill>
                   <a:srgbClr val="FFFFFF"/>
                 </a:solidFill>
               </a14:hiddenFill>
             </a:ext>
-            <a:ext uri="{91240B29-F687-4F45-9708-019B960494DF}">
+            <a:ext uri="{91240B29-F687-4f45-9708-019B960494DF}">
               <a14:hiddenLine xmlns:a14="http://schemas.microsoft.com/office/drawing/2010/main" w="9525">
                 <a:solidFill>
                   <a:srgbClr val="000000"/>
@@ -4459,14 +4459,14 @@
           <a:noFill/>
           <a:ln/>
           <a:extLst>
-            <a:ext uri="{909E8E84-426E-40DD-AFC4-6F175D3DCCD1}">
+            <a:ext uri="{909E8E84-426E-40dd-AFC4-6F175D3DCCD1}">
               <a14:hiddenFill xmlns:a14="http://schemas.microsoft.com/office/drawing/2010/main">
                 <a:solidFill>
                   <a:srgbClr val="FFFFFF"/>
                 </a:solidFill>
               </a14:hiddenFill>
             </a:ext>
-            <a:ext uri="{91240B29-F687-4F45-9708-019B960494DF}">
+            <a:ext uri="{91240B29-F687-4f45-9708-019B960494DF}">
               <a14:hiddenLine xmlns:a14="http://schemas.microsoft.com/office/drawing/2010/main" w="9525">
                 <a:solidFill>
                   <a:srgbClr val="000000"/>
@@ -4600,14 +4600,14 @@
           <a:noFill/>
           <a:ln/>
           <a:extLst>
-            <a:ext uri="{909E8E84-426E-40DD-AFC4-6F175D3DCCD1}">
+            <a:ext uri="{909E8E84-426E-40dd-AFC4-6F175D3DCCD1}">
               <a14:hiddenFill xmlns:a14="http://schemas.microsoft.com/office/drawing/2010/main">
                 <a:solidFill>
                   <a:srgbClr val="FFFFFF"/>
                 </a:solidFill>
               </a14:hiddenFill>
             </a:ext>
-            <a:ext uri="{91240B29-F687-4F45-9708-019B960494DF}">
+            <a:ext uri="{91240B29-F687-4f45-9708-019B960494DF}">
               <a14:hiddenLine xmlns:a14="http://schemas.microsoft.com/office/drawing/2010/main" w="9525">
                 <a:solidFill>
                   <a:srgbClr val="000000"/>
@@ -4757,14 +4757,14 @@
           <a:noFill/>
           <a:ln/>
           <a:extLst>
-            <a:ext uri="{909E8E84-426E-40DD-AFC4-6F175D3DCCD1}">
+            <a:ext uri="{909E8E84-426E-40dd-AFC4-6F175D3DCCD1}">
               <a14:hiddenFill xmlns:a14="http://schemas.microsoft.com/office/drawing/2010/main">
                 <a:solidFill>
                   <a:srgbClr val="FFFFFF"/>
                 </a:solidFill>
               </a14:hiddenFill>
             </a:ext>
-            <a:ext uri="{91240B29-F687-4F45-9708-019B960494DF}">
+            <a:ext uri="{91240B29-F687-4f45-9708-019B960494DF}">
               <a14:hiddenLine xmlns:a14="http://schemas.microsoft.com/office/drawing/2010/main" w="9525">
                 <a:solidFill>
                   <a:srgbClr val="000000"/>
@@ -4828,14 +4828,14 @@
           <a:noFill/>
           <a:ln/>
           <a:extLst>
-            <a:ext uri="{909E8E84-426E-40DD-AFC4-6F175D3DCCD1}">
+            <a:ext uri="{909E8E84-426E-40dd-AFC4-6F175D3DCCD1}">
               <a14:hiddenFill xmlns:a14="http://schemas.microsoft.com/office/drawing/2010/main">
                 <a:solidFill>
                   <a:srgbClr val="FFFFFF"/>
                 </a:solidFill>
               </a14:hiddenFill>
             </a:ext>
-            <a:ext uri="{91240B29-F687-4F45-9708-019B960494DF}">
+            <a:ext uri="{91240B29-F687-4f45-9708-019B960494DF}">
               <a14:hiddenLine xmlns:a14="http://schemas.microsoft.com/office/drawing/2010/main" w="9525">
                 <a:solidFill>
                   <a:srgbClr val="000000"/>
@@ -4969,14 +4969,14 @@
           <a:noFill/>
           <a:ln/>
           <a:extLst>
-            <a:ext uri="{909E8E84-426E-40DD-AFC4-6F175D3DCCD1}">
+            <a:ext uri="{909E8E84-426E-40dd-AFC4-6F175D3DCCD1}">
               <a14:hiddenFill xmlns:a14="http://schemas.microsoft.com/office/drawing/2010/main">
                 <a:solidFill>
                   <a:srgbClr val="FFFFFF"/>
                 </a:solidFill>
               </a14:hiddenFill>
             </a:ext>
-            <a:ext uri="{91240B29-F687-4F45-9708-019B960494DF}">
+            <a:ext uri="{91240B29-F687-4f45-9708-019B960494DF}">
               <a14:hiddenLine xmlns:a14="http://schemas.microsoft.com/office/drawing/2010/main" w="9525">
                 <a:solidFill>
                   <a:srgbClr val="000000"/>
@@ -5110,14 +5110,14 @@
           <a:noFill/>
           <a:ln/>
           <a:extLst>
-            <a:ext uri="{909E8E84-426E-40DD-AFC4-6F175D3DCCD1}">
+            <a:ext uri="{909E8E84-426E-40dd-AFC4-6F175D3DCCD1}">
               <a14:hiddenFill xmlns:a14="http://schemas.microsoft.com/office/drawing/2010/main">
                 <a:solidFill>
                   <a:srgbClr val="FFFFFF"/>
                 </a:solidFill>
               </a14:hiddenFill>
             </a:ext>
-            <a:ext uri="{91240B29-F687-4F45-9708-019B960494DF}">
+            <a:ext uri="{91240B29-F687-4f45-9708-019B960494DF}">
               <a14:hiddenLine xmlns:a14="http://schemas.microsoft.com/office/drawing/2010/main" w="9525">
                 <a:solidFill>
                   <a:srgbClr val="000000"/>
@@ -5251,14 +5251,14 @@
           <a:noFill/>
           <a:ln/>
           <a:extLst>
-            <a:ext uri="{909E8E84-426E-40DD-AFC4-6F175D3DCCD1}">
+            <a:ext uri="{909E8E84-426E-40dd-AFC4-6F175D3DCCD1}">
               <a14:hiddenFill xmlns:a14="http://schemas.microsoft.com/office/drawing/2010/main">
                 <a:solidFill>
                   <a:srgbClr val="FFFFFF"/>
                 </a:solidFill>
               </a14:hiddenFill>
             </a:ext>
-            <a:ext uri="{91240B29-F687-4F45-9708-019B960494DF}">
+            <a:ext uri="{91240B29-F687-4f45-9708-019B960494DF}">
               <a14:hiddenLine xmlns:a14="http://schemas.microsoft.com/office/drawing/2010/main" w="9525">
                 <a:solidFill>
                   <a:srgbClr val="000000"/>
@@ -5408,14 +5408,14 @@
           <a:noFill/>
           <a:ln/>
           <a:extLst>
-            <a:ext uri="{909E8E84-426E-40DD-AFC4-6F175D3DCCD1}">
+            <a:ext uri="{909E8E84-426E-40dd-AFC4-6F175D3DCCD1}">
               <a14:hiddenFill xmlns:a14="http://schemas.microsoft.com/office/drawing/2010/main">
                 <a:solidFill>
                   <a:srgbClr val="FFFFFF"/>
                 </a:solidFill>
               </a14:hiddenFill>
             </a:ext>
-            <a:ext uri="{91240B29-F687-4F45-9708-019B960494DF}">
+            <a:ext uri="{91240B29-F687-4f45-9708-019B960494DF}">
               <a14:hiddenLine xmlns:a14="http://schemas.microsoft.com/office/drawing/2010/main" w="9525">
                 <a:solidFill>
                   <a:srgbClr val="000000"/>
@@ -5479,14 +5479,14 @@
           <a:noFill/>
           <a:ln/>
           <a:extLst>
-            <a:ext uri="{909E8E84-426E-40DD-AFC4-6F175D3DCCD1}">
+            <a:ext uri="{909E8E84-426E-40dd-AFC4-6F175D3DCCD1}">
               <a14:hiddenFill xmlns:a14="http://schemas.microsoft.com/office/drawing/2010/main">
                 <a:solidFill>
                   <a:srgbClr val="FFFFFF"/>
                 </a:solidFill>
               </a14:hiddenFill>
             </a:ext>
-            <a:ext uri="{91240B29-F687-4F45-9708-019B960494DF}">
+            <a:ext uri="{91240B29-F687-4f45-9708-019B960494DF}">
               <a14:hiddenLine xmlns:a14="http://schemas.microsoft.com/office/drawing/2010/main" w="9525">
                 <a:solidFill>
                   <a:srgbClr val="000000"/>
@@ -5620,14 +5620,14 @@
           <a:noFill/>
           <a:ln/>
           <a:extLst>
-            <a:ext uri="{909E8E84-426E-40DD-AFC4-6F175D3DCCD1}">
+            <a:ext uri="{909E8E84-426E-40dd-AFC4-6F175D3DCCD1}">
               <a14:hiddenFill xmlns:a14="http://schemas.microsoft.com/office/drawing/2010/main">
                 <a:solidFill>
                   <a:srgbClr val="FFFFFF"/>
                 </a:solidFill>
               </a14:hiddenFill>
             </a:ext>
-            <a:ext uri="{91240B29-F687-4F45-9708-019B960494DF}">
+            <a:ext uri="{91240B29-F687-4f45-9708-019B960494DF}">
               <a14:hiddenLine xmlns:a14="http://schemas.microsoft.com/office/drawing/2010/main" w="9525">
                 <a:solidFill>
                   <a:srgbClr val="000000"/>
@@ -5761,14 +5761,14 @@
           <a:noFill/>
           <a:ln/>
           <a:extLst>
-            <a:ext uri="{909E8E84-426E-40DD-AFC4-6F175D3DCCD1}">
+            <a:ext uri="{909E8E84-426E-40dd-AFC4-6F175D3DCCD1}">
               <a14:hiddenFill xmlns:a14="http://schemas.microsoft.com/office/drawing/2010/main">
                 <a:solidFill>
                   <a:srgbClr val="FFFFFF"/>
                 </a:solidFill>
               </a14:hiddenFill>
             </a:ext>
-            <a:ext uri="{91240B29-F687-4F45-9708-019B960494DF}">
+            <a:ext uri="{91240B29-F687-4f45-9708-019B960494DF}">
               <a14:hiddenLine xmlns:a14="http://schemas.microsoft.com/office/drawing/2010/main" w="9525">
                 <a:solidFill>
                   <a:srgbClr val="000000"/>
@@ -5902,14 +5902,14 @@
           <a:noFill/>
           <a:ln/>
           <a:extLst>
-            <a:ext uri="{909E8E84-426E-40DD-AFC4-6F175D3DCCD1}">
+            <a:ext uri="{909E8E84-426E-40dd-AFC4-6F175D3DCCD1}">
               <a14:hiddenFill xmlns:a14="http://schemas.microsoft.com/office/drawing/2010/main">
                 <a:solidFill>
                   <a:srgbClr val="FFFFFF"/>
                 </a:solidFill>
               </a14:hiddenFill>
             </a:ext>
-            <a:ext uri="{91240B29-F687-4F45-9708-019B960494DF}">
+            <a:ext uri="{91240B29-F687-4f45-9708-019B960494DF}">
               <a14:hiddenLine xmlns:a14="http://schemas.microsoft.com/office/drawing/2010/main" w="9525">
                 <a:solidFill>
                   <a:srgbClr val="000000"/>
@@ -6059,14 +6059,14 @@
           <a:noFill/>
           <a:ln/>
           <a:extLst>
-            <a:ext uri="{909E8E84-426E-40DD-AFC4-6F175D3DCCD1}">
+            <a:ext uri="{909E8E84-426E-40dd-AFC4-6F175D3DCCD1}">
               <a14:hiddenFill xmlns:a14="http://schemas.microsoft.com/office/drawing/2010/main">
                 <a:solidFill>
                   <a:srgbClr val="FFFFFF"/>
                 </a:solidFill>
               </a14:hiddenFill>
             </a:ext>
-            <a:ext uri="{91240B29-F687-4F45-9708-019B960494DF}">
+            <a:ext uri="{91240B29-F687-4f45-9708-019B960494DF}">
               <a14:hiddenLine xmlns:a14="http://schemas.microsoft.com/office/drawing/2010/main" w="9525">
                 <a:solidFill>
                   <a:srgbClr val="000000"/>
@@ -6152,14 +6152,14 @@
           <a:noFill/>
           <a:ln/>
           <a:extLst>
-            <a:ext uri="{909E8E84-426E-40DD-AFC4-6F175D3DCCD1}">
+            <a:ext uri="{909E8E84-426E-40dd-AFC4-6F175D3DCCD1}">
               <a14:hiddenFill xmlns:a14="http://schemas.microsoft.com/office/drawing/2010/main">
                 <a:solidFill>
                   <a:srgbClr val="FFFFFF"/>
                 </a:solidFill>
               </a14:hiddenFill>
             </a:ext>
-            <a:ext uri="{91240B29-F687-4F45-9708-019B960494DF}">
+            <a:ext uri="{91240B29-F687-4f45-9708-019B960494DF}">
               <a14:hiddenLine xmlns:a14="http://schemas.microsoft.com/office/drawing/2010/main" w="9525">
                 <a:solidFill>
                   <a:srgbClr val="000000"/>
@@ -6201,14 +6201,14 @@
             <a:noFill/>
           </a:ln>
           <a:extLst>
-            <a:ext uri="{909E8E84-426E-40DD-AFC4-6F175D3DCCD1}">
+            <a:ext uri="{909E8E84-426E-40dd-AFC4-6F175D3DCCD1}">
               <a14:hiddenFill xmlns:a14="http://schemas.microsoft.com/office/drawing/2010/main">
                 <a:solidFill>
                   <a:srgbClr val="FFFFFF"/>
                 </a:solidFill>
               </a14:hiddenFill>
             </a:ext>
-            <a:ext uri="{91240B29-F687-4F45-9708-019B960494DF}">
+            <a:ext uri="{91240B29-F687-4f45-9708-019B960494DF}">
               <a14:hiddenLine xmlns:a14="http://schemas.microsoft.com/office/drawing/2010/main" w="9525">
                 <a:solidFill>
                   <a:srgbClr val="000000"/>
@@ -6349,14 +6349,14 @@
             <a:noFill/>
           </a:ln>
           <a:extLst>
-            <a:ext uri="{909E8E84-426E-40DD-AFC4-6F175D3DCCD1}">
+            <a:ext uri="{909E8E84-426E-40dd-AFC4-6F175D3DCCD1}">
               <a14:hiddenFill xmlns:a14="http://schemas.microsoft.com/office/drawing/2010/main">
                 <a:solidFill>
                   <a:srgbClr val="FFFFFF"/>
                 </a:solidFill>
               </a14:hiddenFill>
             </a:ext>
-            <a:ext uri="{91240B29-F687-4F45-9708-019B960494DF}">
+            <a:ext uri="{91240B29-F687-4f45-9708-019B960494DF}">
               <a14:hiddenLine xmlns:a14="http://schemas.microsoft.com/office/drawing/2010/main" w="9525">
                 <a:solidFill>
                   <a:srgbClr val="000000"/>
@@ -6498,14 +6498,14 @@
             <a:noFill/>
           </a:ln>
           <a:extLst>
-            <a:ext uri="{909E8E84-426E-40DD-AFC4-6F175D3DCCD1}">
+            <a:ext uri="{909E8E84-426E-40dd-AFC4-6F175D3DCCD1}">
               <a14:hiddenFill xmlns:a14="http://schemas.microsoft.com/office/drawing/2010/main">
                 <a:solidFill>
                   <a:srgbClr val="FFFFFF"/>
                 </a:solidFill>
               </a14:hiddenFill>
             </a:ext>
-            <a:ext uri="{91240B29-F687-4F45-9708-019B960494DF}">
+            <a:ext uri="{91240B29-F687-4f45-9708-019B960494DF}">
               <a14:hiddenLine xmlns:a14="http://schemas.microsoft.com/office/drawing/2010/main" w="9525">
                 <a:solidFill>
                   <a:srgbClr val="000000"/>
@@ -6647,14 +6647,14 @@
             <a:noFill/>
           </a:ln>
           <a:extLst>
-            <a:ext uri="{909E8E84-426E-40DD-AFC4-6F175D3DCCD1}">
+            <a:ext uri="{909E8E84-426E-40dd-AFC4-6F175D3DCCD1}">
               <a14:hiddenFill xmlns:a14="http://schemas.microsoft.com/office/drawing/2010/main">
                 <a:solidFill>
                   <a:srgbClr val="FFFFFF"/>
                 </a:solidFill>
               </a14:hiddenFill>
             </a:ext>
-            <a:ext uri="{91240B29-F687-4F45-9708-019B960494DF}">
+            <a:ext uri="{91240B29-F687-4f45-9708-019B960494DF}">
               <a14:hiddenLine xmlns:a14="http://schemas.microsoft.com/office/drawing/2010/main" w="9525">
                 <a:solidFill>
                   <a:srgbClr val="000000"/>
@@ -6936,7 +6936,7 @@
           </a:prstGeom>
           <a:noFill/>
           <a:extLst>
-            <a:ext uri="{909E8E84-426E-40DD-AFC4-6F175D3DCCD1}">
+            <a:ext uri="{909E8E84-426E-40dd-AFC4-6F175D3DCCD1}">
               <a14:hiddenFill xmlns:a14="http://schemas.microsoft.com/office/drawing/2010/main">
                 <a:solidFill>
                   <a:srgbClr val="FFFFFF"/>
@@ -7607,7 +7607,7 @@
           </a:prstGeom>
           <a:noFill/>
           <a:extLst>
-            <a:ext uri="{909E8E84-426E-40DD-AFC4-6F175D3DCCD1}">
+            <a:ext uri="{909E8E84-426E-40dd-AFC4-6F175D3DCCD1}">
               <a14:hiddenFill xmlns:a14="http://schemas.microsoft.com/office/drawing/2010/main">
                 <a:solidFill>
                   <a:srgbClr val="FFFFFF"/>
@@ -9912,14 +9912,14 @@
             <a:noFill/>
           </a:ln>
           <a:extLst>
-            <a:ext uri="{909E8E84-426E-40DD-AFC4-6F175D3DCCD1}">
+            <a:ext uri="{909E8E84-426E-40dd-AFC4-6F175D3DCCD1}">
               <a14:hiddenFill xmlns:a14="http://schemas.microsoft.com/office/drawing/2010/main">
                 <a:solidFill>
                   <a:srgbClr val="FFFFFF"/>
                 </a:solidFill>
               </a14:hiddenFill>
             </a:ext>
-            <a:ext uri="{91240B29-F687-4F45-9708-019B960494DF}">
+            <a:ext uri="{91240B29-F687-4f45-9708-019B960494DF}">
               <a14:hiddenLine xmlns:a14="http://schemas.microsoft.com/office/drawing/2010/main" w="9525">
                 <a:solidFill>
                   <a:srgbClr val="000000"/>
@@ -10086,14 +10086,14 @@
             <a:noFill/>
           </a:ln>
           <a:extLst>
-            <a:ext uri="{909E8E84-426E-40DD-AFC4-6F175D3DCCD1}">
+            <a:ext uri="{909E8E84-426E-40dd-AFC4-6F175D3DCCD1}">
               <a14:hiddenFill xmlns:a14="http://schemas.microsoft.com/office/drawing/2010/main">
                 <a:solidFill>
                   <a:srgbClr val="FFFFFF"/>
                 </a:solidFill>
               </a14:hiddenFill>
             </a:ext>
-            <a:ext uri="{91240B29-F687-4F45-9708-019B960494DF}">
+            <a:ext uri="{91240B29-F687-4f45-9708-019B960494DF}">
               <a14:hiddenLine xmlns:a14="http://schemas.microsoft.com/office/drawing/2010/main" w="9525">
                 <a:solidFill>
                   <a:srgbClr val="000000"/>
@@ -10377,14 +10377,14 @@
             <a:noFill/>
           </a:ln>
           <a:extLst>
-            <a:ext uri="{909E8E84-426E-40DD-AFC4-6F175D3DCCD1}">
+            <a:ext uri="{909E8E84-426E-40dd-AFC4-6F175D3DCCD1}">
               <a14:hiddenFill xmlns:a14="http://schemas.microsoft.com/office/drawing/2010/main">
                 <a:solidFill>
                   <a:srgbClr val="FFFFFF"/>
                 </a:solidFill>
               </a14:hiddenFill>
             </a:ext>
-            <a:ext uri="{91240B29-F687-4F45-9708-019B960494DF}">
+            <a:ext uri="{91240B29-F687-4f45-9708-019B960494DF}">
               <a14:hiddenLine xmlns:a14="http://schemas.microsoft.com/office/drawing/2010/main" w="9525">
                 <a:solidFill>
                   <a:srgbClr val="000000"/>
@@ -10551,14 +10551,14 @@
             <a:noFill/>
           </a:ln>
           <a:extLst>
-            <a:ext uri="{909E8E84-426E-40DD-AFC4-6F175D3DCCD1}">
+            <a:ext uri="{909E8E84-426E-40dd-AFC4-6F175D3DCCD1}">
               <a14:hiddenFill xmlns:a14="http://schemas.microsoft.com/office/drawing/2010/main">
                 <a:solidFill>
                   <a:srgbClr val="FFFFFF"/>
                 </a:solidFill>
               </a14:hiddenFill>
             </a:ext>
-            <a:ext uri="{91240B29-F687-4F45-9708-019B960494DF}">
+            <a:ext uri="{91240B29-F687-4f45-9708-019B960494DF}">
               <a14:hiddenLine xmlns:a14="http://schemas.microsoft.com/office/drawing/2010/main" w="9525">
                 <a:solidFill>
                   <a:srgbClr val="000000"/>
@@ -12663,7 +12663,7 @@
   <p:timing>
     <p:tnLst>
       <p:par>
-        <p:cTn id="1" dur="indefinite" restart="never" nodeType="tmRoot"/>
+        <p:cTn xmlns:p14="http://schemas.microsoft.com/office/powerpoint/2010/main" id="1" dur="indefinite" restart="never" nodeType="tmRoot"/>
       </p:par>
     </p:tnLst>
   </p:timing>
@@ -12705,34 +12705,12 @@
           <a:lstStyle/>
           <a:p>
             <a:r>
-              <a:rPr lang="en-US" sz="1600" b="0" dirty="0">
-                <a:solidFill>
-                  <a:srgbClr val="000000"/>
-                </a:solidFill>
+              <a:rPr lang="zh-CN" altLang="en-US" sz="1600" b="0" dirty="0" smtClean="0">
                 <a:latin typeface="Arial Unicode MS" panose="020B0604020202020204" pitchFamily="50" charset="-128"/>
                 <a:ea typeface="Arial Unicode MS" panose="020B0604020202020204" pitchFamily="50" charset="-128"/>
                 <a:cs typeface="Arial Unicode MS" panose="020B0604020202020204" pitchFamily="50" charset="-128"/>
               </a:rPr>
-              <a:t>Attribute</a:t>
-            </a:r>
-            <a:r>
-              <a:rPr lang="en-US" sz="1600" b="0" dirty="0">
-                <a:latin typeface="Arial Unicode MS" panose="020B0604020202020204" pitchFamily="50" charset="-128"/>
-                <a:ea typeface="Arial Unicode MS" panose="020B0604020202020204" pitchFamily="50" charset="-128"/>
-                <a:cs typeface="Arial Unicode MS" panose="020B0604020202020204" pitchFamily="50" charset="-128"/>
-              </a:rPr>
-              <a:t> </a:t>
-            </a:r>
-            <a:r>
-              <a:rPr lang="en-US" altLang="ja-JP" sz="1600" b="0" dirty="0" smtClean="0">
-                <a:solidFill>
-                  <a:srgbClr val="000000"/>
-                </a:solidFill>
-                <a:latin typeface="Arial Unicode MS" panose="020B0604020202020204" pitchFamily="50" charset="-128"/>
-                <a:ea typeface="Arial Unicode MS" panose="020B0604020202020204" pitchFamily="50" charset="-128"/>
-                <a:cs typeface="Arial Unicode MS" panose="020B0604020202020204" pitchFamily="50" charset="-128"/>
-              </a:rPr>
-              <a:t>Directive</a:t>
+              <a:t>属性型指令</a:t>
             </a:r>
             <a:endParaRPr lang="en-US" sz="1600" b="0" dirty="0">
               <a:latin typeface="Arial Unicode MS" panose="020B0604020202020204" pitchFamily="50" charset="-128"/>
@@ -13022,7 +13000,18 @@
                 <a:ea typeface="Arial Unicode MS" panose="020B0604020202020204" pitchFamily="50" charset="-128"/>
                 <a:cs typeface="Arial Unicode MS" panose="020B0604020202020204" pitchFamily="50" charset="-128"/>
               </a:rPr>
-              <a:t>Build-in Angular Directive</a:t>
+              <a:t>Angular</a:t>
+            </a:r>
+            <a:r>
+              <a:rPr lang="zh-CN" altLang="en-US" sz="1600" b="0" dirty="0">
+                <a:solidFill>
+                  <a:srgbClr val="000000"/>
+                </a:solidFill>
+                <a:latin typeface="Arial Unicode MS" panose="020B0604020202020204" pitchFamily="50" charset="-128"/>
+                <a:ea typeface="Arial Unicode MS" panose="020B0604020202020204" pitchFamily="50" charset="-128"/>
+                <a:cs typeface="Arial Unicode MS" panose="020B0604020202020204" pitchFamily="50" charset="-128"/>
+              </a:rPr>
+              <a:t>内置指令</a:t>
             </a:r>
             <a:endParaRPr lang="en-US" sz="1600" b="0" dirty="0">
               <a:latin typeface="Arial Unicode MS" panose="020B0604020202020204" pitchFamily="50" charset="-128"/>
@@ -14372,7 +14361,7 @@
           </a:bodyPr>
           <a:lstStyle/>
           <a:p>
-            <a:pPr lvl="0" fontAlgn="base">
+            <a:pPr marL="342900" lvl="0" indent="-342900" fontAlgn="base">
               <a:lnSpc>
                 <a:spcPct val="150000"/>
               </a:lnSpc>
@@ -14382,7 +14371,7 @@
               <a:defRPr/>
             </a:pPr>
             <a:r>
-              <a:rPr lang="en-US" altLang="zh-CN" sz="1600" b="0" dirty="0">
+              <a:rPr lang="zh-CN" altLang="en-US" sz="1600" b="0" dirty="0">
                 <a:solidFill>
                   <a:srgbClr val="000000"/>
                 </a:solidFill>
@@ -14390,9 +14379,9 @@
                 <a:ea typeface="Arial Unicode MS" panose="020B0604020202020204" pitchFamily="50" charset="-128"/>
                 <a:cs typeface="Arial Unicode MS" panose="020B0604020202020204" pitchFamily="50" charset="-128"/>
               </a:rPr>
-              <a:t>Custom Angular Directive</a:t>
+              <a:t>自定义指令</a:t>
             </a:r>
-            <a:endParaRPr lang="en-US" sz="1600" b="0" dirty="0">
+            <a:endParaRPr lang="en-US" altLang="zh-CN" sz="1600" b="0" dirty="0">
               <a:solidFill>
                 <a:srgbClr val="000000"/>
               </a:solidFill>
@@ -14538,15 +14527,7 @@
           <a:p>
             <a:r>
               <a:rPr lang="en-US" sz="1100" b="0" dirty="0" smtClean="0"/>
-              <a:t>Identifies the HTML in the </a:t>
-            </a:r>
-            <a:r>
-              <a:rPr lang="en-US" sz="1100" b="0" dirty="0" smtClean="0"/>
-              <a:t>selector that </a:t>
-            </a:r>
-            <a:r>
-              <a:rPr lang="en-US" sz="1100" b="0" dirty="0" smtClean="0"/>
-              <a:t>is associated with the directive</a:t>
+              <a:t>Identifies the HTML in the selector that is associated with the directive</a:t>
             </a:r>
             <a:endParaRPr lang="en-US" sz="1100" b="0" dirty="0"/>
           </a:p>
@@ -15022,7 +15003,7 @@
           </a:bodyPr>
           <a:lstStyle/>
           <a:p>
-            <a:pPr lvl="0" fontAlgn="base">
+            <a:pPr marL="342900" lvl="0" indent="-342900" fontAlgn="base">
               <a:lnSpc>
                 <a:spcPct val="150000"/>
               </a:lnSpc>
@@ -15040,7 +15021,40 @@
                 <a:ea typeface="Arial Unicode MS" panose="020B0604020202020204" pitchFamily="50" charset="-128"/>
                 <a:cs typeface="Arial Unicode MS" panose="020B0604020202020204" pitchFamily="50" charset="-128"/>
               </a:rPr>
-              <a:t>Difference between component and directive</a:t>
+              <a:t>Component </a:t>
+            </a:r>
+            <a:r>
+              <a:rPr lang="zh-CN" altLang="en-US" sz="1600" b="0" dirty="0">
+                <a:solidFill>
+                  <a:srgbClr val="000000"/>
+                </a:solidFill>
+                <a:latin typeface="Arial Unicode MS" panose="020B0604020202020204" pitchFamily="50" charset="-128"/>
+                <a:ea typeface="Arial Unicode MS" panose="020B0604020202020204" pitchFamily="50" charset="-128"/>
+                <a:cs typeface="Arial Unicode MS" panose="020B0604020202020204" pitchFamily="50" charset="-128"/>
+              </a:rPr>
+              <a:t>与</a:t>
+            </a:r>
+            <a:r>
+              <a:rPr lang="en-US" sz="1600" b="0" dirty="0">
+                <a:solidFill>
+                  <a:srgbClr val="000000"/>
+                </a:solidFill>
+                <a:latin typeface="Arial Unicode MS" panose="020B0604020202020204" pitchFamily="50" charset="-128"/>
+                <a:ea typeface="Arial Unicode MS" panose="020B0604020202020204" pitchFamily="50" charset="-128"/>
+                <a:cs typeface="Arial Unicode MS" panose="020B0604020202020204" pitchFamily="50" charset="-128"/>
+              </a:rPr>
+              <a:t> directive</a:t>
+            </a:r>
+            <a:r>
+              <a:rPr lang="zh-CN" altLang="en-US" sz="1600" b="0" dirty="0">
+                <a:solidFill>
+                  <a:srgbClr val="000000"/>
+                </a:solidFill>
+                <a:latin typeface="Arial Unicode MS" panose="020B0604020202020204" pitchFamily="50" charset="-128"/>
+                <a:ea typeface="Arial Unicode MS" panose="020B0604020202020204" pitchFamily="50" charset="-128"/>
+                <a:cs typeface="Arial Unicode MS" panose="020B0604020202020204" pitchFamily="50" charset="-128"/>
+              </a:rPr>
+              <a:t>区别</a:t>
             </a:r>
           </a:p>
         </p:txBody>
@@ -15932,7 +15946,7 @@
         </p:nvSpPr>
         <p:spPr>
           <a:xfrm>
-            <a:off x="3484242" y="2625969"/>
+            <a:off x="3845333" y="2987080"/>
             <a:ext cx="1779654" cy="584775"/>
           </a:xfrm>
           <a:prstGeom prst="rect">
@@ -16018,15 +16032,14 @@
               <a:defRPr/>
             </a:pPr>
             <a:r>
-              <a:rPr lang="en-US" sz="1600" b="0" dirty="0" smtClean="0">
+              <a:rPr lang="zh-CN" altLang="en-US" sz="1600" b="0" dirty="0">
                 <a:solidFill>
                   <a:srgbClr val="000000"/>
                 </a:solidFill>
-                <a:latin typeface="Arial Unicode MS" panose="020B0604020202020204" pitchFamily="50" charset="-128"/>
-                <a:ea typeface="Arial Unicode MS" panose="020B0604020202020204" pitchFamily="50" charset="-128"/>
-                <a:cs typeface="Arial Unicode MS" panose="020B0604020202020204" pitchFamily="50" charset="-128"/>
+                <a:latin typeface="SimSun" panose="02010600030101010101" pitchFamily="2" charset="-122"/>
+                <a:ea typeface="SimSun" panose="02010600030101010101" pitchFamily="2" charset="-122"/>
               </a:rPr>
-              <a:t>Practice</a:t>
+              <a:t>作业与练习</a:t>
             </a:r>
             <a:endParaRPr lang="en-US" sz="1600" b="0" dirty="0">
               <a:solidFill>
@@ -16090,58 +16103,147 @@
       </p:sp>
       <p:graphicFrame>
         <p:nvGraphicFramePr>
-          <p:cNvPr id="5" name="Group 21"/>
+          <p:cNvPr id="6" name="Table 5"/>
           <p:cNvGraphicFramePr>
             <a:graphicFrameLocks noGrp="1"/>
           </p:cNvGraphicFramePr>
           <p:nvPr>
             <p:extLst>
               <p:ext uri="{D42A27DB-BD31-4B8C-83A1-F6EECF244321}">
-                <p14:modId xmlns:p14="http://schemas.microsoft.com/office/powerpoint/2010/main" val="1385057502"/>
+                <p14:modId xmlns:p14="http://schemas.microsoft.com/office/powerpoint/2010/main" val="156888604"/>
               </p:ext>
             </p:extLst>
           </p:nvPr>
         </p:nvGraphicFramePr>
         <p:xfrm>
-          <a:off x="321680" y="1333500"/>
-          <a:ext cx="7612062" cy="2468880"/>
+          <a:off x="460703" y="1590109"/>
+          <a:ext cx="8511455" cy="1079499"/>
         </p:xfrm>
         <a:graphic>
           <a:graphicData uri="http://schemas.openxmlformats.org/drawingml/2006/table">
             <a:tbl>
-              <a:tblPr/>
+              <a:tblPr firstRow="1" bandRow="1">
+                <a:tableStyleId>{5C22544A-7EE6-4342-B048-85BDC9FD1C3A}</a:tableStyleId>
+              </a:tblPr>
               <a:tblGrid>
-                <a:gridCol w="7612062">
+                <a:gridCol w="2207053">
                   <a:extLst>
                     <a:ext uri="{9D8B030D-6E8A-4147-A177-3AD203B41FA5}">
-                      <a16:colId xmlns:a16="http://schemas.microsoft.com/office/drawing/2014/main" xmlns="" val="20000"/>
+                      <a16:colId xmlns:a16="http://schemas.microsoft.com/office/drawing/2014/main" xmlns="" val="1427776139"/>
+                    </a:ext>
+                  </a:extLst>
+                </a:gridCol>
+                <a:gridCol w="3192433">
+                  <a:extLst>
+                    <a:ext uri="{9D8B030D-6E8A-4147-A177-3AD203B41FA5}">
+                      <a16:colId xmlns:a16="http://schemas.microsoft.com/office/drawing/2014/main" xmlns="" val="3370170297"/>
+                    </a:ext>
+                  </a:extLst>
+                </a:gridCol>
+                <a:gridCol w="3111969">
+                  <a:extLst>
+                    <a:ext uri="{9D8B030D-6E8A-4147-A177-3AD203B41FA5}">
+                      <a16:colId xmlns:a16="http://schemas.microsoft.com/office/drawing/2014/main" xmlns="" val="784783711"/>
                     </a:ext>
                   </a:extLst>
                 </a:gridCol>
               </a:tblGrid>
-              <a:tr h="200025">
+              <a:tr h="0">
                 <a:tc>
                   <a:txBody>
                     <a:bodyPr/>
                     <a:lstStyle/>
                     <a:p>
-                      <a:pPr marL="342900" marR="0" lvl="0" indent="-342900" algn="l" defTabSz="914400" rtl="0" eaLnBrk="1" fontAlgn="base" latinLnBrk="0" hangingPunct="1">
-                        <a:lnSpc>
-                          <a:spcPct val="150000"/>
-                        </a:lnSpc>
-                        <a:spcBef>
-                          <a:spcPct val="0"/>
-                        </a:spcBef>
-                        <a:spcAft>
-                          <a:spcPct val="0"/>
-                        </a:spcAft>
-                        <a:buClrTx/>
-                        <a:buSzTx/>
+                      <a:pPr algn="ctr"/>
+                      <a:r>
+                        <a:rPr lang="zh-CN" altLang="en-US" sz="1600" dirty="0">
+                          <a:latin typeface="SimSun" panose="02010600030101010101" pitchFamily="2" charset="-122"/>
+                          <a:ea typeface="SimSun" panose="02010600030101010101" pitchFamily="2" charset="-122"/>
+                        </a:rPr>
+                        <a:t>内容</a:t>
+                      </a:r>
+                      <a:endParaRPr lang="en-US" sz="1600" dirty="0">
+                        <a:latin typeface="SimSun" panose="02010600030101010101" pitchFamily="2" charset="-122"/>
+                        <a:ea typeface="SimSun" panose="02010600030101010101" pitchFamily="2" charset="-122"/>
+                      </a:endParaRPr>
+                    </a:p>
+                  </a:txBody>
+                  <a:tcPr anchor="ctr"/>
+                </a:tc>
+                <a:tc>
+                  <a:txBody>
+                    <a:bodyPr/>
+                    <a:lstStyle/>
+                    <a:p>
+                      <a:pPr algn="ctr"/>
+                      <a:r>
+                        <a:rPr lang="zh-CN" altLang="en-US" sz="1600" dirty="0">
+                          <a:latin typeface="SimSun" panose="02010600030101010101" pitchFamily="2" charset="-122"/>
+                          <a:ea typeface="SimSun" panose="02010600030101010101" pitchFamily="2" charset="-122"/>
+                        </a:rPr>
+                        <a:t>说明</a:t>
+                      </a:r>
+                      <a:endParaRPr lang="en-US" altLang="zh-CN" sz="1600" dirty="0">
+                        <a:latin typeface="SimSun" panose="02010600030101010101" pitchFamily="2" charset="-122"/>
+                        <a:ea typeface="SimSun" panose="02010600030101010101" pitchFamily="2" charset="-122"/>
+                      </a:endParaRPr>
+                    </a:p>
+                  </a:txBody>
+                  <a:tcPr anchor="ctr"/>
+                </a:tc>
+                <a:tc>
+                  <a:txBody>
+                    <a:bodyPr/>
+                    <a:lstStyle/>
+                    <a:p>
+                      <a:pPr algn="ctr"/>
+                      <a:r>
+                        <a:rPr lang="zh-CN" altLang="en-US" sz="1600" dirty="0">
+                          <a:latin typeface="SimSun" panose="02010600030101010101" pitchFamily="2" charset="-122"/>
+                          <a:ea typeface="SimSun" panose="02010600030101010101" pitchFamily="2" charset="-122"/>
+                        </a:rPr>
+                        <a:t>完成条件</a:t>
+                      </a:r>
+                      <a:endParaRPr lang="en-US" sz="1600" dirty="0">
+                        <a:latin typeface="SimSun" panose="02010600030101010101" pitchFamily="2" charset="-122"/>
+                        <a:ea typeface="SimSun" panose="02010600030101010101" pitchFamily="2" charset="-122"/>
+                      </a:endParaRPr>
+                    </a:p>
+                  </a:txBody>
+                  <a:tcPr anchor="ctr"/>
+                </a:tc>
+                <a:extLst>
+                  <a:ext uri="{0D108BD9-81ED-4DB2-BD59-A6C34878D82A}">
+                    <a16:rowId xmlns:a16="http://schemas.microsoft.com/office/drawing/2014/main" xmlns="" val="2469836323"/>
+                  </a:ext>
+                </a:extLst>
+              </a:tr>
+              <a:tr h="0">
+                <a:tc>
+                  <a:txBody>
+                    <a:bodyPr/>
+                    <a:lstStyle/>
+                    <a:p>
+                      <a:pPr marL="0" indent="0">
                         <a:buFont typeface="Arial" panose="020B0604020202020204" pitchFamily="34" charset="0"/>
-                        <a:buChar char="•"/>
-                        <a:tabLst/>
+                        <a:buNone/>
                       </a:pPr>
-                      <a:endParaRPr kumimoji="0" lang="en-US" sz="1200" b="0" i="0" u="none" strike="noStrike" cap="none" normalizeH="0" baseline="0" dirty="0">
+                      <a:r>
+                        <a:rPr kumimoji="0" lang="en-US" sz="1400" b="0" i="0" u="none" strike="noStrike" kern="1200" cap="none" normalizeH="0" baseline="0" dirty="0" smtClean="0">
+                          <a:ln>
+                            <a:noFill/>
+                          </a:ln>
+                          <a:solidFill>
+                            <a:srgbClr val="000000"/>
+                          </a:solidFill>
+                          <a:effectLst/>
+                          <a:latin typeface="Arial Unicode MS" panose="020B0604020202020204" pitchFamily="50" charset="-128"/>
+                          <a:ea typeface="Arial Unicode MS" panose="020B0604020202020204" pitchFamily="50" charset="-128"/>
+                          <a:cs typeface="Arial Unicode MS" panose="020B0604020202020204" pitchFamily="50" charset="-128"/>
+                        </a:rPr>
+                        <a:t>Create Directive</a:t>
+                      </a:r>
+                      <a:endParaRPr kumimoji="0" lang="en-US" sz="1400" b="0" i="0" u="none" strike="noStrike" kern="1200" cap="none" normalizeH="0" baseline="0" dirty="0">
                         <a:ln>
                           <a:noFill/>
                         </a:ln>
@@ -16155,46 +16257,32 @@
                       </a:endParaRPr>
                     </a:p>
                   </a:txBody>
-                  <a:tcPr horzOverflow="overflow">
-                    <a:lnL>
-                      <a:noFill/>
-                    </a:lnL>
-                    <a:lnR>
-                      <a:noFill/>
-                    </a:lnR>
-                    <a:lnT>
-                      <a:noFill/>
-                    </a:lnT>
-                    <a:lnB>
-                      <a:noFill/>
-                    </a:lnB>
-                    <a:lnTlToBr>
-                      <a:noFill/>
-                    </a:lnTlToBr>
-                    <a:lnBlToTr>
-                      <a:noFill/>
-                    </a:lnBlToTr>
-                    <a:noFill/>
-                  </a:tcPr>
+                  <a:tcPr anchor="ctr"/>
                 </a:tc>
-                <a:extLst>
-                  <a:ext uri="{0D108BD9-81ED-4DB2-BD59-A6C34878D82A}">
-                    <a16:rowId xmlns:a16="http://schemas.microsoft.com/office/drawing/2014/main" xmlns="" val="10000"/>
-                  </a:ext>
-                </a:extLst>
-              </a:tr>
-              <a:tr h="180975">
                 <a:tc>
                   <a:txBody>
                     <a:bodyPr/>
                     <a:lstStyle/>
                     <a:p>
-                      <a:pPr marL="171450" indent="-171450">
-                        <a:buFont typeface="Arial" panose="020B0604020202020204" pitchFamily="34" charset="0"/>
-                        <a:buChar char="•"/>
+                      <a:pPr marL="0" marR="0" indent="0" algn="ctr" defTabSz="914400" rtl="0" eaLnBrk="1" fontAlgn="auto" latinLnBrk="0" hangingPunct="1">
+                        <a:lnSpc>
+                          <a:spcPct val="100000"/>
+                        </a:lnSpc>
+                        <a:spcBef>
+                          <a:spcPts val="0"/>
+                        </a:spcBef>
+                        <a:spcAft>
+                          <a:spcPts val="0"/>
+                        </a:spcAft>
+                        <a:buClrTx/>
+                        <a:buSzTx/>
+                        <a:buFontTx/>
+                        <a:buNone/>
+                        <a:tabLst/>
+                        <a:defRPr/>
                       </a:pPr>
                       <a:r>
-                        <a:rPr kumimoji="0" lang="en-US" sz="1200" b="0" i="0" u="none" strike="noStrike" kern="1200" cap="none" normalizeH="0" baseline="0" dirty="0" smtClean="0">
+                        <a:rPr kumimoji="0" lang="en-US" sz="1400" b="0" i="0" u="none" strike="noStrike" kern="1200" cap="none" normalizeH="0" baseline="0" dirty="0" smtClean="0">
                           <a:ln>
                             <a:noFill/>
                           </a:ln>
@@ -16208,193 +16296,34 @@
                         </a:rPr>
                         <a:t>Create a Structural/Attribute Directive and call it.</a:t>
                       </a:r>
-                      <a:endParaRPr kumimoji="0" lang="en-US" sz="1200" b="0" i="0" u="none" strike="noStrike" kern="1200" cap="none" normalizeH="0" baseline="0" dirty="0">
-                        <a:ln>
-                          <a:noFill/>
-                        </a:ln>
-                        <a:solidFill>
-                          <a:srgbClr val="000000"/>
-                        </a:solidFill>
-                        <a:effectLst/>
-                        <a:latin typeface="Arial Unicode MS" panose="020B0604020202020204" pitchFamily="50" charset="-128"/>
-                        <a:ea typeface="Arial Unicode MS" panose="020B0604020202020204" pitchFamily="50" charset="-128"/>
-                        <a:cs typeface="Arial Unicode MS" panose="020B0604020202020204" pitchFamily="50" charset="-128"/>
+                    </a:p>
+                    <a:p>
+                      <a:pPr algn="ctr"/>
+                      <a:endParaRPr lang="en-US" altLang="zh-CN" sz="1400" b="0" dirty="0">
+                        <a:latin typeface="SimSun" panose="02010600030101010101" pitchFamily="2" charset="-122"/>
+                        <a:ea typeface="SimSun" panose="02010600030101010101" pitchFamily="2" charset="-122"/>
                       </a:endParaRPr>
                     </a:p>
                   </a:txBody>
-                  <a:tcPr horzOverflow="overflow">
-                    <a:lnL>
-                      <a:noFill/>
-                    </a:lnL>
-                    <a:lnR>
-                      <a:noFill/>
-                    </a:lnR>
-                    <a:lnT>
-                      <a:noFill/>
-                    </a:lnT>
-                    <a:lnB>
-                      <a:noFill/>
-                    </a:lnB>
-                    <a:lnTlToBr>
-                      <a:noFill/>
-                    </a:lnTlToBr>
-                    <a:lnBlToTr>
-                      <a:noFill/>
-                    </a:lnBlToTr>
-                    <a:noFill/>
-                  </a:tcPr>
+                  <a:tcPr anchor="ctr"/>
                 </a:tc>
-                <a:extLst>
-                  <a:ext uri="{0D108BD9-81ED-4DB2-BD59-A6C34878D82A}">
-                    <a16:rowId xmlns:a16="http://schemas.microsoft.com/office/drawing/2014/main" xmlns="" val="10001"/>
-                  </a:ext>
-                </a:extLst>
-              </a:tr>
-              <a:tr h="422275">
                 <a:tc>
                   <a:txBody>
                     <a:bodyPr/>
                     <a:lstStyle/>
                     <a:p>
-                      <a:pPr marL="0" marR="0" lvl="0" indent="0" algn="l" defTabSz="914400" rtl="0" eaLnBrk="1" fontAlgn="base" latinLnBrk="0" hangingPunct="1">
-                        <a:lnSpc>
-                          <a:spcPct val="150000"/>
-                        </a:lnSpc>
-                        <a:spcBef>
-                          <a:spcPct val="0"/>
-                        </a:spcBef>
-                        <a:spcAft>
-                          <a:spcPct val="0"/>
-                        </a:spcAft>
-                        <a:buClrTx/>
-                        <a:buSzTx/>
-                        <a:buFont typeface="Wingdings" pitchFamily="2" charset="2"/>
-                        <a:buNone/>
-                        <a:tabLst/>
-                      </a:pPr>
-                      <a:endParaRPr lang="en-US" altLang="ja-JP" sz="2400" dirty="0" smtClean="0">
-                        <a:latin typeface="SimSun" panose="02010600030101010101" pitchFamily="2" charset="-122"/>
-                        <a:ea typeface="SimSun" panose="02010600030101010101" pitchFamily="2" charset="-122"/>
-                      </a:endParaRPr>
-                    </a:p>
-                    <a:p>
-                      <a:pPr marL="0" marR="0" lvl="0" indent="0" algn="l" defTabSz="914400" rtl="0" eaLnBrk="1" fontAlgn="base" latinLnBrk="0" hangingPunct="1">
-                        <a:lnSpc>
-                          <a:spcPct val="150000"/>
-                        </a:lnSpc>
-                        <a:spcBef>
-                          <a:spcPct val="0"/>
-                        </a:spcBef>
-                        <a:spcAft>
-                          <a:spcPct val="0"/>
-                        </a:spcAft>
-                        <a:buClrTx/>
-                        <a:buSzTx/>
-                        <a:buFont typeface="Wingdings" pitchFamily="2" charset="2"/>
-                        <a:buNone/>
-                        <a:tabLst/>
-                      </a:pPr>
-                      <a:endParaRPr kumimoji="0" lang="en-US" sz="2400" b="0" i="0" u="none" strike="noStrike" cap="none" normalizeH="0" baseline="0" dirty="0">
-                        <a:ln>
-                          <a:noFill/>
-                        </a:ln>
-                        <a:solidFill>
-                          <a:srgbClr val="000000"/>
-                        </a:solidFill>
-                        <a:effectLst/>
+                      <a:pPr algn="l"/>
+                      <a:endParaRPr lang="en-US" sz="1400" b="0" dirty="0">
                         <a:latin typeface="SimSun" panose="02010600030101010101" pitchFamily="2" charset="-122"/>
                         <a:ea typeface="SimSun" panose="02010600030101010101" pitchFamily="2" charset="-122"/>
                       </a:endParaRPr>
                     </a:p>
                   </a:txBody>
-                  <a:tcPr horzOverflow="overflow">
-                    <a:lnL>
-                      <a:noFill/>
-                    </a:lnL>
-                    <a:lnR>
-                      <a:noFill/>
-                    </a:lnR>
-                    <a:lnT>
-                      <a:noFill/>
-                    </a:lnT>
-                    <a:lnB>
-                      <a:noFill/>
-                    </a:lnB>
-                    <a:lnTlToBr>
-                      <a:noFill/>
-                    </a:lnTlToBr>
-                    <a:lnBlToTr>
-                      <a:noFill/>
-                    </a:lnBlToTr>
-                    <a:noFill/>
-                  </a:tcPr>
+                  <a:tcPr anchor="ctr"/>
                 </a:tc>
                 <a:extLst>
                   <a:ext uri="{0D108BD9-81ED-4DB2-BD59-A6C34878D82A}">
-                    <a16:rowId xmlns:a16="http://schemas.microsoft.com/office/drawing/2014/main" xmlns="" val="10002"/>
-                  </a:ext>
-                </a:extLst>
-              </a:tr>
-              <a:tr h="180975">
-                <a:tc>
-                  <a:txBody>
-                    <a:bodyPr/>
-                    <a:lstStyle/>
-                    <a:p>
-                      <a:pPr marL="0" marR="0" lvl="0" indent="0" algn="l" defTabSz="914400" rtl="0" eaLnBrk="1" fontAlgn="base" latinLnBrk="0" hangingPunct="1">
-                        <a:lnSpc>
-                          <a:spcPct val="150000"/>
-                        </a:lnSpc>
-                        <a:spcBef>
-                          <a:spcPct val="0"/>
-                        </a:spcBef>
-                        <a:spcAft>
-                          <a:spcPct val="0"/>
-                        </a:spcAft>
-                        <a:buClrTx/>
-                        <a:buSzTx/>
-                        <a:buFont typeface="Wingdings" pitchFamily="2" charset="2"/>
-                        <a:buNone/>
-                        <a:tabLst/>
-                      </a:pPr>
-                      <a:endParaRPr kumimoji="0" lang="en-US" sz="2400" b="0" i="0" u="none" strike="noStrike" cap="none" normalizeH="0" baseline="0" dirty="0">
-                        <a:ln>
-                          <a:noFill/>
-                        </a:ln>
-                        <a:solidFill>
-                          <a:srgbClr val="000000"/>
-                        </a:solidFill>
-                        <a:effectLst/>
-                        <a:latin typeface="SimSun" panose="02010600030101010101" pitchFamily="2" charset="-122"/>
-                        <a:ea typeface="SimSun" panose="02010600030101010101" pitchFamily="2" charset="-122"/>
-                      </a:endParaRPr>
-                    </a:p>
-                  </a:txBody>
-                  <a:tcPr horzOverflow="overflow">
-                    <a:lnL>
-                      <a:noFill/>
-                    </a:lnL>
-                    <a:lnR>
-                      <a:noFill/>
-                    </a:lnR>
-                    <a:lnT>
-                      <a:noFill/>
-                    </a:lnT>
-                    <a:lnB>
-                      <a:noFill/>
-                    </a:lnB>
-                    <a:lnTlToBr>
-                      <a:noFill/>
-                    </a:lnTlToBr>
-                    <a:lnBlToTr>
-                      <a:noFill/>
-                    </a:lnBlToTr>
-                    <a:noFill/>
-                  </a:tcPr>
-                </a:tc>
-                <a:extLst>
-                  <a:ext uri="{0D108BD9-81ED-4DB2-BD59-A6C34878D82A}">
-                    <a16:rowId xmlns:a16="http://schemas.microsoft.com/office/drawing/2014/main" xmlns="" val="10003"/>
+                    <a16:rowId xmlns:a16="http://schemas.microsoft.com/office/drawing/2014/main" xmlns="" val="4026608687"/>
                   </a:ext>
                 </a:extLst>
               </a:tr>
@@ -16525,14 +16454,14 @@
             <a:noFill/>
           </a:ln>
           <a:extLst>
-            <a:ext uri="{909E8E84-426E-40DD-AFC4-6F175D3DCCD1}">
+            <a:ext uri="{909E8E84-426E-40dd-AFC4-6F175D3DCCD1}">
               <a14:hiddenFill xmlns:a14="http://schemas.microsoft.com/office/drawing/2010/main">
                 <a:solidFill>
                   <a:srgbClr val="FFFFFF"/>
                 </a:solidFill>
               </a14:hiddenFill>
             </a:ext>
-            <a:ext uri="{91240B29-F687-4F45-9708-019B960494DF}">
+            <a:ext uri="{91240B29-F687-4f45-9708-019B960494DF}">
               <a14:hiddenLine xmlns:a14="http://schemas.microsoft.com/office/drawing/2010/main" w="9525" algn="ctr">
                 <a:solidFill>
                   <a:srgbClr val="000000"/>
@@ -16708,14 +16637,14 @@
           <p:nvPr>
             <p:extLst>
               <p:ext uri="{D42A27DB-BD31-4B8C-83A1-F6EECF244321}">
-                <p14:modId xmlns:p14="http://schemas.microsoft.com/office/powerpoint/2010/main" val="803732559"/>
+                <p14:modId xmlns:p14="http://schemas.microsoft.com/office/powerpoint/2010/main" val="547042523"/>
               </p:ext>
             </p:extLst>
           </p:nvPr>
         </p:nvGraphicFramePr>
         <p:xfrm>
           <a:off x="321680" y="1333500"/>
-          <a:ext cx="7612062" cy="4487800"/>
+          <a:ext cx="7612062" cy="4937760"/>
         </p:xfrm>
         <a:graphic>
           <a:graphicData uri="http://schemas.openxmlformats.org/drawingml/2006/table">
@@ -16725,7 +16654,7 @@
                 <a:gridCol w="7612062">
                   <a:extLst>
                     <a:ext uri="{9D8B030D-6E8A-4147-A177-3AD203B41FA5}">
-                      <a16:colId xmlns:a16="http://schemas.microsoft.com/office/drawing/2014/main" xmlns="" val="20000"/>
+                      <a16:colId xmlns="" xmlns:a16="http://schemas.microsoft.com/office/drawing/2014/main" val="20000"/>
                     </a:ext>
                   </a:extLst>
                 </a:gridCol>
@@ -16790,7 +16719,7 @@
                 </a:tc>
                 <a:extLst>
                   <a:ext uri="{0D108BD9-81ED-4DB2-BD59-A6C34878D82A}">
-                    <a16:rowId xmlns:a16="http://schemas.microsoft.com/office/drawing/2014/main" xmlns="" val="10000"/>
+                    <a16:rowId xmlns="" xmlns:a16="http://schemas.microsoft.com/office/drawing/2014/main" val="10000"/>
                   </a:ext>
                 </a:extLst>
               </a:tr>
@@ -16818,7 +16747,7 @@
                         <a:defRPr/>
                       </a:pPr>
                       <a:r>
-                        <a:rPr kumimoji="0" lang="en-US" altLang="zh-CN" sz="1600" b="0" i="0" u="none" strike="noStrike" kern="1200" cap="none" normalizeH="0" baseline="0" dirty="0" smtClean="0">
+                        <a:rPr kumimoji="0" lang="zh-CN" altLang="en-US" sz="1600" b="0" i="0" u="none" strike="noStrike" kern="1200" cap="none" normalizeH="0" baseline="0" dirty="0" smtClean="0">
                           <a:ln>
                             <a:noFill/>
                           </a:ln>
@@ -16830,9 +16759,9 @@
                           <a:ea typeface="Arial Unicode MS" panose="020B0604020202020204" pitchFamily="50" charset="-128"/>
                           <a:cs typeface="Arial Unicode MS" panose="020B0604020202020204" pitchFamily="50" charset="-128"/>
                         </a:rPr>
-                        <a:t>Why we need Angular Directive</a:t>
+                        <a:t>为什么需要指令</a:t>
                       </a:r>
-                      <a:endParaRPr kumimoji="0" lang="en-US" altLang="ja-JP" sz="1600" b="0" i="0" u="none" strike="noStrike" kern="1200" cap="none" normalizeH="0" baseline="0" dirty="0" smtClean="0">
+                      <a:endParaRPr kumimoji="0" lang="en-US" altLang="zh-CN" sz="1600" b="0" i="0" u="none" strike="noStrike" kern="1200" cap="none" normalizeH="0" baseline="0" dirty="0" smtClean="0">
                         <a:ln>
                           <a:noFill/>
                         </a:ln>
@@ -16864,7 +16793,7 @@
                         <a:defRPr/>
                       </a:pPr>
                       <a:r>
-                        <a:rPr kumimoji="0" lang="en-US" altLang="ja-JP" sz="1600" b="0" i="0" u="none" strike="noStrike" kern="1200" cap="none" normalizeH="0" baseline="0" dirty="0" smtClean="0">
+                        <a:rPr kumimoji="0" lang="zh-CN" altLang="en-US" sz="1600" b="0" i="0" u="none" strike="noStrike" kern="1200" cap="none" normalizeH="0" baseline="0" dirty="0" smtClean="0">
                           <a:ln>
                             <a:noFill/>
                           </a:ln>
@@ -16876,9 +16805,55 @@
                           <a:ea typeface="Arial Unicode MS" panose="020B0604020202020204" pitchFamily="50" charset="-128"/>
                           <a:cs typeface="Arial Unicode MS" panose="020B0604020202020204" pitchFamily="50" charset="-128"/>
                         </a:rPr>
-                        <a:t>What is Angular Directive</a:t>
+                        <a:t>什么是指令</a:t>
                       </a:r>
-                      <a:endParaRPr kumimoji="0" lang="en-US" altLang="ja-JP" sz="1600" b="0" i="0" u="none" strike="noStrike" kern="1200" cap="none" normalizeH="0" baseline="0" dirty="0">
+                      <a:endParaRPr kumimoji="0" lang="en-US" altLang="zh-CN" sz="1600" b="0" i="0" u="none" strike="noStrike" kern="1200" cap="none" normalizeH="0" baseline="0" dirty="0" smtClean="0">
+                        <a:ln>
+                          <a:noFill/>
+                        </a:ln>
+                        <a:solidFill>
+                          <a:srgbClr val="000000"/>
+                        </a:solidFill>
+                        <a:effectLst/>
+                        <a:latin typeface="Arial Unicode MS" panose="020B0604020202020204" pitchFamily="50" charset="-128"/>
+                        <a:ea typeface="Arial Unicode MS" panose="020B0604020202020204" pitchFamily="50" charset="-128"/>
+                        <a:cs typeface="Arial Unicode MS" panose="020B0604020202020204" pitchFamily="50" charset="-128"/>
+                      </a:endParaRPr>
+                    </a:p>
+                    <a:p>
+                      <a:pPr marL="342900" marR="0" lvl="0" indent="-342900" algn="l" defTabSz="914400" rtl="0" eaLnBrk="1" fontAlgn="base" latinLnBrk="0" hangingPunct="1">
+                        <a:lnSpc>
+                          <a:spcPct val="150000"/>
+                        </a:lnSpc>
+                        <a:spcBef>
+                          <a:spcPct val="0"/>
+                        </a:spcBef>
+                        <a:spcAft>
+                          <a:spcPct val="0"/>
+                        </a:spcAft>
+                        <a:buClrTx/>
+                        <a:buSzTx/>
+                        <a:buFont typeface="Arial" panose="020B0604020202020204" pitchFamily="34" charset="0"/>
+                        <a:buChar char="•"/>
+                        <a:tabLst/>
+                        <a:defRPr/>
+                      </a:pPr>
+                      <a:r>
+                        <a:rPr kumimoji="0" lang="zh-CN" altLang="en-US" sz="1600" b="0" i="0" u="none" strike="noStrike" kern="1200" cap="none" normalizeH="0" baseline="0" dirty="0" smtClean="0">
+                          <a:ln>
+                            <a:noFill/>
+                          </a:ln>
+                          <a:solidFill>
+                            <a:srgbClr val="000000"/>
+                          </a:solidFill>
+                          <a:effectLst/>
+                          <a:latin typeface="Arial Unicode MS" panose="020B0604020202020204" pitchFamily="50" charset="-128"/>
+                          <a:ea typeface="Arial Unicode MS" panose="020B0604020202020204" pitchFamily="50" charset="-128"/>
+                          <a:cs typeface="Arial Unicode MS" panose="020B0604020202020204" pitchFamily="50" charset="-128"/>
+                        </a:rPr>
+                        <a:t>指令的分类</a:t>
+                      </a:r>
+                      <a:endParaRPr kumimoji="0" lang="en-US" altLang="zh-CN" sz="1600" b="0" i="0" u="none" strike="noStrike" kern="1200" cap="none" normalizeH="0" baseline="0" dirty="0" smtClean="0">
                         <a:ln>
                           <a:noFill/>
                         </a:ln>
@@ -16922,9 +16897,24 @@
                           <a:ea typeface="Arial Unicode MS" panose="020B0604020202020204" pitchFamily="50" charset="-128"/>
                           <a:cs typeface="Arial Unicode MS" panose="020B0604020202020204" pitchFamily="50" charset="-128"/>
                         </a:rPr>
-                        <a:t>Category of Angular Directive</a:t>
+                        <a:t>Angular</a:t>
                       </a:r>
-                      <a:endParaRPr kumimoji="0" lang="en-US" altLang="zh-CN" sz="1600" b="0" i="0" u="none" strike="noStrike" kern="1200" cap="none" normalizeH="0" baseline="0" dirty="0">
+                      <a:r>
+                        <a:rPr kumimoji="0" lang="zh-CN" altLang="en-US" sz="1600" b="0" i="0" u="none" strike="noStrike" kern="1200" cap="none" normalizeH="0" baseline="0" dirty="0" smtClean="0">
+                          <a:ln>
+                            <a:noFill/>
+                          </a:ln>
+                          <a:solidFill>
+                            <a:srgbClr val="000000"/>
+                          </a:solidFill>
+                          <a:effectLst/>
+                          <a:latin typeface="Arial Unicode MS" panose="020B0604020202020204" pitchFamily="50" charset="-128"/>
+                          <a:ea typeface="Arial Unicode MS" panose="020B0604020202020204" pitchFamily="50" charset="-128"/>
+                          <a:cs typeface="Arial Unicode MS" panose="020B0604020202020204" pitchFamily="50" charset="-128"/>
+                        </a:rPr>
+                        <a:t>内置指令</a:t>
+                      </a:r>
+                      <a:endParaRPr kumimoji="0" lang="en-US" altLang="zh-CN" sz="1600" b="0" i="0" u="none" strike="noStrike" kern="1200" cap="none" normalizeH="0" baseline="0" dirty="0" smtClean="0">
                         <a:ln>
                           <a:noFill/>
                         </a:ln>
@@ -16956,7 +16946,7 @@
                         <a:defRPr/>
                       </a:pPr>
                       <a:r>
-                        <a:rPr kumimoji="0" lang="en-US" altLang="zh-CN" sz="1600" b="0" i="0" u="none" strike="noStrike" kern="1200" cap="none" normalizeH="0" baseline="0" dirty="0" smtClean="0">
+                        <a:rPr kumimoji="0" lang="zh-CN" altLang="en-US" sz="1600" b="0" i="0" u="none" strike="noStrike" kern="1200" cap="none" normalizeH="0" baseline="0" dirty="0" smtClean="0">
                           <a:ln>
                             <a:noFill/>
                           </a:ln>
@@ -16968,9 +16958,9 @@
                           <a:ea typeface="Arial Unicode MS" panose="020B0604020202020204" pitchFamily="50" charset="-128"/>
                           <a:cs typeface="Arial Unicode MS" panose="020B0604020202020204" pitchFamily="50" charset="-128"/>
                         </a:rPr>
-                        <a:t>Build-in Angular Directive</a:t>
+                        <a:t>自定义指令</a:t>
                       </a:r>
-                      <a:endParaRPr kumimoji="0" lang="en-US" altLang="zh-CN" sz="1600" b="0" i="0" u="none" strike="noStrike" kern="1200" cap="none" normalizeH="0" baseline="0" dirty="0">
+                      <a:endParaRPr kumimoji="0" lang="en-US" altLang="zh-CN" sz="1600" b="0" i="0" u="none" strike="noStrike" kern="1200" cap="none" normalizeH="0" baseline="0" dirty="0" smtClean="0">
                         <a:ln>
                           <a:noFill/>
                         </a:ln>
@@ -16982,40 +16972,6 @@
                         <a:ea typeface="Arial Unicode MS" panose="020B0604020202020204" pitchFamily="50" charset="-128"/>
                         <a:cs typeface="Arial Unicode MS" panose="020B0604020202020204" pitchFamily="50" charset="-128"/>
                       </a:endParaRPr>
-                    </a:p>
-                    <a:p>
-                      <a:pPr marL="342900" marR="0" lvl="0" indent="-342900" algn="l" defTabSz="914400" rtl="0" eaLnBrk="1" fontAlgn="base" latinLnBrk="0" hangingPunct="1">
-                        <a:lnSpc>
-                          <a:spcPct val="150000"/>
-                        </a:lnSpc>
-                        <a:spcBef>
-                          <a:spcPct val="0"/>
-                        </a:spcBef>
-                        <a:spcAft>
-                          <a:spcPct val="0"/>
-                        </a:spcAft>
-                        <a:buClrTx/>
-                        <a:buSzTx/>
-                        <a:buFont typeface="Arial" panose="020B0604020202020204" pitchFamily="34" charset="0"/>
-                        <a:buChar char="•"/>
-                        <a:tabLst/>
-                        <a:defRPr/>
-                      </a:pPr>
-                      <a:r>
-                        <a:rPr kumimoji="0" lang="en-US" altLang="zh-CN" sz="1600" b="0" i="0" u="none" strike="noStrike" kern="1200" cap="none" normalizeH="0" baseline="0" dirty="0" smtClean="0">
-                          <a:ln>
-                            <a:noFill/>
-                          </a:ln>
-                          <a:solidFill>
-                            <a:srgbClr val="000000"/>
-                          </a:solidFill>
-                          <a:effectLst/>
-                          <a:latin typeface="Arial Unicode MS" panose="020B0604020202020204" pitchFamily="50" charset="-128"/>
-                          <a:ea typeface="Arial Unicode MS" panose="020B0604020202020204" pitchFamily="50" charset="-128"/>
-                          <a:cs typeface="Arial Unicode MS" panose="020B0604020202020204" pitchFamily="50" charset="-128"/>
-                        </a:rPr>
-                        <a:t>Custom Angular Directive</a:t>
-                      </a:r>
                     </a:p>
                     <a:p>
                       <a:pPr marL="342900" marR="0" lvl="0" indent="-342900" algn="l" defTabSz="914400" rtl="0" eaLnBrk="1" fontAlgn="base" latinLnBrk="0" hangingPunct="1">
@@ -17048,9 +17004,88 @@
                           <a:ea typeface="Arial Unicode MS" panose="020B0604020202020204" pitchFamily="50" charset="-128"/>
                           <a:cs typeface="Arial Unicode MS" panose="020B0604020202020204" pitchFamily="50" charset="-128"/>
                         </a:rPr>
-                        <a:t>Difference between component and directive</a:t>
+                        <a:t>Component </a:t>
                       </a:r>
-                      <a:endParaRPr kumimoji="0" lang="en-US" sz="1600" b="0" i="0" u="none" strike="noStrike" kern="1200" cap="none" normalizeH="0" baseline="0" dirty="0">
+                      <a:r>
+                        <a:rPr kumimoji="0" lang="zh-CN" altLang="en-US" sz="1600" b="0" i="0" u="none" strike="noStrike" kern="1200" cap="none" normalizeH="0" baseline="0" dirty="0" smtClean="0">
+                          <a:ln>
+                            <a:noFill/>
+                          </a:ln>
+                          <a:solidFill>
+                            <a:srgbClr val="000000"/>
+                          </a:solidFill>
+                          <a:effectLst/>
+                          <a:latin typeface="Arial Unicode MS" panose="020B0604020202020204" pitchFamily="50" charset="-128"/>
+                          <a:ea typeface="Arial Unicode MS" panose="020B0604020202020204" pitchFamily="50" charset="-128"/>
+                          <a:cs typeface="Arial Unicode MS" panose="020B0604020202020204" pitchFamily="50" charset="-128"/>
+                        </a:rPr>
+                        <a:t>与</a:t>
+                      </a:r>
+                      <a:r>
+                        <a:rPr kumimoji="0" lang="en-US" sz="1600" b="0" i="0" u="none" strike="noStrike" kern="1200" cap="none" normalizeH="0" baseline="0" dirty="0" smtClean="0">
+                          <a:ln>
+                            <a:noFill/>
+                          </a:ln>
+                          <a:solidFill>
+                            <a:srgbClr val="000000"/>
+                          </a:solidFill>
+                          <a:effectLst/>
+                          <a:latin typeface="Arial Unicode MS" panose="020B0604020202020204" pitchFamily="50" charset="-128"/>
+                          <a:ea typeface="Arial Unicode MS" panose="020B0604020202020204" pitchFamily="50" charset="-128"/>
+                          <a:cs typeface="Arial Unicode MS" panose="020B0604020202020204" pitchFamily="50" charset="-128"/>
+                        </a:rPr>
+                        <a:t> directive</a:t>
+                      </a:r>
+                      <a:r>
+                        <a:rPr kumimoji="0" lang="zh-CN" altLang="en-US" sz="1600" b="0" i="0" u="none" strike="noStrike" kern="1200" cap="none" normalizeH="0" baseline="0" dirty="0" smtClean="0">
+                          <a:ln>
+                            <a:noFill/>
+                          </a:ln>
+                          <a:solidFill>
+                            <a:srgbClr val="000000"/>
+                          </a:solidFill>
+                          <a:effectLst/>
+                          <a:latin typeface="Arial Unicode MS" panose="020B0604020202020204" pitchFamily="50" charset="-128"/>
+                          <a:ea typeface="Arial Unicode MS" panose="020B0604020202020204" pitchFamily="50" charset="-128"/>
+                          <a:cs typeface="Arial Unicode MS" panose="020B0604020202020204" pitchFamily="50" charset="-128"/>
+                        </a:rPr>
+                        <a:t>区别</a:t>
+                      </a:r>
+                    </a:p>
+                    <a:p>
+                      <a:pPr marL="342900" marR="0" lvl="0" indent="-342900" algn="l" defTabSz="914400" rtl="0" eaLnBrk="1" fontAlgn="base" latinLnBrk="0" hangingPunct="1">
+                        <a:lnSpc>
+                          <a:spcPct val="150000"/>
+                        </a:lnSpc>
+                        <a:spcBef>
+                          <a:spcPct val="0"/>
+                        </a:spcBef>
+                        <a:spcAft>
+                          <a:spcPct val="0"/>
+                        </a:spcAft>
+                        <a:buClrTx/>
+                        <a:buSzTx/>
+                        <a:buFont typeface="Arial" panose="020B0604020202020204" pitchFamily="34" charset="0"/>
+                        <a:buChar char="•"/>
+                        <a:tabLst/>
+                        <a:defRPr/>
+                      </a:pPr>
+                      <a:r>
+                        <a:rPr kumimoji="0" lang="zh-CN" altLang="en-US" sz="1600" b="0" i="0" u="none" strike="noStrike" kern="1200" cap="none" normalizeH="0" baseline="0" dirty="0" smtClean="0">
+                          <a:ln>
+                            <a:noFill/>
+                          </a:ln>
+                          <a:solidFill>
+                            <a:srgbClr val="000000"/>
+                          </a:solidFill>
+                          <a:effectLst/>
+                          <a:latin typeface="Arial Unicode MS" panose="020B0604020202020204" pitchFamily="50" charset="-128"/>
+                          <a:ea typeface="Arial Unicode MS" panose="020B0604020202020204" pitchFamily="50" charset="-128"/>
+                          <a:cs typeface="Arial Unicode MS" panose="020B0604020202020204" pitchFamily="50" charset="-128"/>
+                        </a:rPr>
+                        <a:t>例子</a:t>
+                      </a:r>
+                      <a:endParaRPr kumimoji="0" lang="en-US" altLang="zh-CN" sz="1600" b="0" i="0" u="none" strike="noStrike" kern="1200" cap="none" normalizeH="0" baseline="0" dirty="0" smtClean="0">
                         <a:ln>
                           <a:noFill/>
                         </a:ln>
@@ -17079,9 +17114,10 @@
                         <a:buFont typeface="Arial" panose="020B0604020202020204" pitchFamily="34" charset="0"/>
                         <a:buChar char="•"/>
                         <a:tabLst/>
+                        <a:defRPr/>
                       </a:pPr>
                       <a:r>
-                        <a:rPr kumimoji="0" lang="en-US" sz="1600" b="0" i="0" u="none" strike="noStrike" kern="1200" cap="none" normalizeH="0" baseline="0" dirty="0" smtClean="0">
+                        <a:rPr kumimoji="0" lang="zh-CN" altLang="en-US" sz="1600" b="0" i="0" u="none" strike="noStrike" kern="1200" cap="none" normalizeH="0" baseline="0" dirty="0" smtClean="0">
                           <a:ln>
                             <a:noFill/>
                           </a:ln>
@@ -17093,8 +17129,20 @@
                           <a:ea typeface="Arial Unicode MS" panose="020B0604020202020204" pitchFamily="50" charset="-128"/>
                           <a:cs typeface="Arial Unicode MS" panose="020B0604020202020204" pitchFamily="50" charset="-128"/>
                         </a:rPr>
-                        <a:t>Example</a:t>
+                        <a:t>练习</a:t>
                       </a:r>
+                      <a:endParaRPr kumimoji="0" lang="en-US" altLang="zh-CN" sz="1600" b="0" i="0" u="none" strike="noStrike" kern="1200" cap="none" normalizeH="0" baseline="0" dirty="0" smtClean="0">
+                        <a:ln>
+                          <a:noFill/>
+                        </a:ln>
+                        <a:solidFill>
+                          <a:srgbClr val="000000"/>
+                        </a:solidFill>
+                        <a:effectLst/>
+                        <a:latin typeface="Arial Unicode MS" panose="020B0604020202020204" pitchFamily="50" charset="-128"/>
+                        <a:ea typeface="Arial Unicode MS" panose="020B0604020202020204" pitchFamily="50" charset="-128"/>
+                        <a:cs typeface="Arial Unicode MS" panose="020B0604020202020204" pitchFamily="50" charset="-128"/>
+                      </a:endParaRPr>
                     </a:p>
                   </a:txBody>
                   <a:tcPr horzOverflow="overflow">
@@ -17121,7 +17169,7 @@
                 </a:tc>
                 <a:extLst>
                   <a:ext uri="{0D108BD9-81ED-4DB2-BD59-A6C34878D82A}">
-                    <a16:rowId xmlns:a16="http://schemas.microsoft.com/office/drawing/2014/main" xmlns="" val="10001"/>
+                    <a16:rowId xmlns="" xmlns:a16="http://schemas.microsoft.com/office/drawing/2014/main" val="10001"/>
                   </a:ext>
                 </a:extLst>
               </a:tr>
@@ -17215,7 +17263,7 @@
                 </a:tc>
                 <a:extLst>
                   <a:ext uri="{0D108BD9-81ED-4DB2-BD59-A6C34878D82A}">
-                    <a16:rowId xmlns:a16="http://schemas.microsoft.com/office/drawing/2014/main" xmlns="" val="10002"/>
+                    <a16:rowId xmlns="" xmlns:a16="http://schemas.microsoft.com/office/drawing/2014/main" val="10002"/>
                   </a:ext>
                 </a:extLst>
               </a:tr>
@@ -17278,7 +17326,7 @@
                 </a:tc>
                 <a:extLst>
                   <a:ext uri="{0D108BD9-81ED-4DB2-BD59-A6C34878D82A}">
-                    <a16:rowId xmlns:a16="http://schemas.microsoft.com/office/drawing/2014/main" xmlns="" val="10003"/>
+                    <a16:rowId xmlns="" xmlns:a16="http://schemas.microsoft.com/office/drawing/2014/main" val="10003"/>
                   </a:ext>
                 </a:extLst>
               </a:tr>
@@ -17401,7 +17449,7 @@
   <p:timing>
     <p:tnLst>
       <p:par>
-        <p:cTn id="1" dur="indefinite" restart="never" nodeType="tmRoot"/>
+        <p:cTn xmlns:p14="http://schemas.microsoft.com/office/powerpoint/2010/main" id="1" dur="indefinite" restart="never" nodeType="tmRoot"/>
       </p:par>
     </p:tnLst>
   </p:timing>
@@ -17437,7 +17485,7 @@
         </p:nvSpPr>
         <p:spPr bwMode="auto">
           <a:xfrm>
-            <a:off x="475837" y="665071"/>
+            <a:off x="475837" y="565454"/>
             <a:ext cx="8205261" cy="785553"/>
           </a:xfrm>
         </p:spPr>
@@ -17449,7 +17497,7 @@
           <a:p>
             <a:pPr lvl="0"/>
             <a:r>
-              <a:rPr lang="en-US" altLang="zh-CN" sz="1600" b="0" dirty="0">
+              <a:rPr lang="zh-CN" altLang="en-US" sz="1600" b="0" dirty="0">
                 <a:solidFill>
                   <a:srgbClr val="000000"/>
                 </a:solidFill>
@@ -17457,18 +17505,8 @@
                 <a:ea typeface="Arial Unicode MS" panose="020B0604020202020204" pitchFamily="50" charset="-128"/>
                 <a:cs typeface="Arial Unicode MS" panose="020B0604020202020204" pitchFamily="50" charset="-128"/>
               </a:rPr>
-              <a:t>Why we need Angular Directive</a:t>
+              <a:t>为什么需要指令</a:t>
             </a:r>
-            <a:br>
-              <a:rPr lang="en-US" altLang="zh-CN" sz="1600" b="0" dirty="0">
-                <a:solidFill>
-                  <a:srgbClr val="000000"/>
-                </a:solidFill>
-                <a:latin typeface="Arial Unicode MS" panose="020B0604020202020204" pitchFamily="50" charset="-128"/>
-                <a:ea typeface="Arial Unicode MS" panose="020B0604020202020204" pitchFamily="50" charset="-128"/>
-                <a:cs typeface="Arial Unicode MS" panose="020B0604020202020204" pitchFamily="50" charset="-128"/>
-              </a:rPr>
-            </a:br>
             <a:endParaRPr lang="en-US" sz="1600" b="0" dirty="0">
               <a:latin typeface="Arial Unicode MS" panose="020B0604020202020204" pitchFamily="50" charset="-128"/>
               <a:ea typeface="Arial Unicode MS" panose="020B0604020202020204" pitchFamily="50" charset="-128"/>
@@ -18671,11 +18709,11 @@
   <p:clrMapOvr>
     <a:overrideClrMapping bg1="lt1" tx1="dk1" bg2="lt2" tx2="dk2" accent1="accent1" accent2="accent2" accent3="accent3" accent4="accent4" accent5="accent5" accent6="accent6" hlink="hlink" folHlink="folHlink"/>
   </p:clrMapOvr>
-  <p:transition/>
+  <p:transition xmlns:p14="http://schemas.microsoft.com/office/powerpoint/2010/main"/>
   <p:timing>
     <p:tnLst>
       <p:par>
-        <p:cTn id="1" dur="indefinite" restart="never" nodeType="tmRoot"/>
+        <p:cTn xmlns:p14="http://schemas.microsoft.com/office/powerpoint/2010/main" id="1" dur="indefinite" restart="never" nodeType="tmRoot"/>
       </p:par>
     </p:tnLst>
   </p:timing>
@@ -18759,7 +18797,7 @@
         </p:nvSpPr>
         <p:spPr bwMode="auto">
           <a:xfrm>
-            <a:off x="475837" y="665071"/>
+            <a:off x="463386" y="577907"/>
             <a:ext cx="8205261" cy="785553"/>
           </a:xfrm>
         </p:spPr>
@@ -18771,7 +18809,7 @@
           <a:p>
             <a:pPr lvl="0"/>
             <a:r>
-              <a:rPr lang="en-US" altLang="zh-CN" sz="1600" b="0" dirty="0">
+              <a:rPr lang="zh-CN" altLang="en-US" sz="1600" b="0" dirty="0">
                 <a:solidFill>
                   <a:srgbClr val="000000"/>
                 </a:solidFill>
@@ -18779,18 +18817,8 @@
                 <a:ea typeface="Arial Unicode MS" panose="020B0604020202020204" pitchFamily="50" charset="-128"/>
                 <a:cs typeface="Arial Unicode MS" panose="020B0604020202020204" pitchFamily="50" charset="-128"/>
               </a:rPr>
-              <a:t>Why we need Angular Directive</a:t>
+              <a:t>为什么需要指令</a:t>
             </a:r>
-            <a:br>
-              <a:rPr lang="en-US" altLang="zh-CN" sz="1600" b="0" dirty="0">
-                <a:solidFill>
-                  <a:srgbClr val="000000"/>
-                </a:solidFill>
-                <a:latin typeface="Arial Unicode MS" panose="020B0604020202020204" pitchFamily="50" charset="-128"/>
-                <a:ea typeface="Arial Unicode MS" panose="020B0604020202020204" pitchFamily="50" charset="-128"/>
-                <a:cs typeface="Arial Unicode MS" panose="020B0604020202020204" pitchFamily="50" charset="-128"/>
-              </a:rPr>
-            </a:br>
             <a:endParaRPr lang="en-US" sz="1600" b="0" dirty="0">
               <a:latin typeface="Arial Unicode MS" panose="020B0604020202020204" pitchFamily="50" charset="-128"/>
               <a:ea typeface="Arial Unicode MS" panose="020B0604020202020204" pitchFamily="50" charset="-128"/>
@@ -20464,11 +20492,11 @@
   <p:clrMapOvr>
     <a:masterClrMapping/>
   </p:clrMapOvr>
-  <p:transition/>
+  <p:transition xmlns:p14="http://schemas.microsoft.com/office/powerpoint/2010/main"/>
   <p:timing>
     <p:tnLst>
       <p:par>
-        <p:cTn id="1" dur="indefinite" restart="never" nodeType="tmRoot"/>
+        <p:cTn xmlns:p14="http://schemas.microsoft.com/office/powerpoint/2010/main" id="1" dur="indefinite" restart="never" nodeType="tmRoot"/>
       </p:par>
     </p:tnLst>
   </p:timing>
@@ -20515,7 +20543,7 @@
           <a:lstStyle/>
           <a:p>
             <a:r>
-              <a:rPr lang="en-US" altLang="zh-CN" sz="1600" b="0" dirty="0">
+              <a:rPr lang="zh-CN" altLang="en-US" sz="1600" b="0" dirty="0">
                 <a:solidFill>
                   <a:srgbClr val="000000"/>
                 </a:solidFill>
@@ -20523,7 +20551,7 @@
                 <a:ea typeface="Arial Unicode MS" panose="020B0604020202020204" pitchFamily="50" charset="-128"/>
                 <a:cs typeface="Arial Unicode MS" panose="020B0604020202020204" pitchFamily="50" charset="-128"/>
               </a:rPr>
-              <a:t>Why we need Angular Directive</a:t>
+              <a:t>为什么需要指令</a:t>
             </a:r>
             <a:endParaRPr lang="en-US" sz="1600" b="0" dirty="0">
               <a:latin typeface="Arial Unicode MS" panose="020B0604020202020204" pitchFamily="50" charset="-128"/>
@@ -20549,7 +20577,7 @@
         </p:nvGraphicFramePr>
         <p:xfrm>
           <a:off x="321680" y="1333500"/>
-          <a:ext cx="7612062" cy="2991612"/>
+          <a:ext cx="7612062" cy="3108959"/>
         </p:xfrm>
         <a:graphic>
           <a:graphicData uri="http://schemas.openxmlformats.org/drawingml/2006/table">
@@ -20559,7 +20587,7 @@
                 <a:gridCol w="7612062">
                   <a:extLst>
                     <a:ext uri="{9D8B030D-6E8A-4147-A177-3AD203B41FA5}">
-                      <a16:colId xmlns:a16="http://schemas.microsoft.com/office/drawing/2014/main" xmlns="" val="20000"/>
+                      <a16:colId xmlns="" xmlns:a16="http://schemas.microsoft.com/office/drawing/2014/main" val="20000"/>
                     </a:ext>
                   </a:extLst>
                 </a:gridCol>
@@ -20624,7 +20652,7 @@
                 </a:tc>
                 <a:extLst>
                   <a:ext uri="{0D108BD9-81ED-4DB2-BD59-A6C34878D82A}">
-                    <a16:rowId xmlns:a16="http://schemas.microsoft.com/office/drawing/2014/main" xmlns="" val="10000"/>
+                    <a16:rowId xmlns="" xmlns:a16="http://schemas.microsoft.com/office/drawing/2014/main" val="10000"/>
                   </a:ext>
                 </a:extLst>
               </a:tr>
@@ -20782,7 +20810,7 @@
                 </a:tc>
                 <a:extLst>
                   <a:ext uri="{0D108BD9-81ED-4DB2-BD59-A6C34878D82A}">
-                    <a16:rowId xmlns:a16="http://schemas.microsoft.com/office/drawing/2014/main" xmlns="" val="10001"/>
+                    <a16:rowId xmlns="" xmlns:a16="http://schemas.microsoft.com/office/drawing/2014/main" val="10001"/>
                   </a:ext>
                 </a:extLst>
               </a:tr>
@@ -20867,7 +20895,7 @@
                 </a:tc>
                 <a:extLst>
                   <a:ext uri="{0D108BD9-81ED-4DB2-BD59-A6C34878D82A}">
-                    <a16:rowId xmlns:a16="http://schemas.microsoft.com/office/drawing/2014/main" xmlns="" val="10002"/>
+                    <a16:rowId xmlns="" xmlns:a16="http://schemas.microsoft.com/office/drawing/2014/main" val="10002"/>
                   </a:ext>
                 </a:extLst>
               </a:tr>
@@ -20930,7 +20958,7 @@
                 </a:tc>
                 <a:extLst>
                   <a:ext uri="{0D108BD9-81ED-4DB2-BD59-A6C34878D82A}">
-                    <a16:rowId xmlns:a16="http://schemas.microsoft.com/office/drawing/2014/main" xmlns="" val="10003"/>
+                    <a16:rowId xmlns="" xmlns:a16="http://schemas.microsoft.com/office/drawing/2014/main" val="10003"/>
                   </a:ext>
                 </a:extLst>
               </a:tr>
@@ -21053,7 +21081,7 @@
   <p:timing>
     <p:tnLst>
       <p:par>
-        <p:cTn id="1" dur="indefinite" restart="never" nodeType="tmRoot"/>
+        <p:cTn xmlns:p14="http://schemas.microsoft.com/office/powerpoint/2010/main" id="1" dur="indefinite" restart="never" nodeType="tmRoot"/>
       </p:par>
     </p:tnLst>
   </p:timing>
@@ -21099,8 +21127,17 @@
           </a:bodyPr>
           <a:lstStyle/>
           <a:p>
+            <a:pPr marL="342900" lvl="0" indent="-342900" fontAlgn="base">
+              <a:lnSpc>
+                <a:spcPct val="150000"/>
+              </a:lnSpc>
+              <a:spcAft>
+                <a:spcPct val="0"/>
+              </a:spcAft>
+              <a:defRPr/>
+            </a:pPr>
             <a:r>
-              <a:rPr lang="en-US" altLang="ja-JP" sz="1600" b="0" dirty="0">
+              <a:rPr lang="zh-CN" altLang="en-US" sz="1600" b="0" dirty="0">
                 <a:solidFill>
                   <a:srgbClr val="000000"/>
                 </a:solidFill>
@@ -21108,9 +21145,12 @@
                 <a:ea typeface="Arial Unicode MS" panose="020B0604020202020204" pitchFamily="50" charset="-128"/>
                 <a:cs typeface="Arial Unicode MS" panose="020B0604020202020204" pitchFamily="50" charset="-128"/>
               </a:rPr>
-              <a:t>What is Angular Directive</a:t>
+              <a:t>什么是指令</a:t>
             </a:r>
-            <a:endParaRPr lang="en-US" sz="1600" b="0" dirty="0">
+            <a:endParaRPr lang="en-US" altLang="zh-CN" sz="1600" b="0" dirty="0">
+              <a:solidFill>
+                <a:srgbClr val="000000"/>
+              </a:solidFill>
               <a:latin typeface="Arial Unicode MS" panose="020B0604020202020204" pitchFamily="50" charset="-128"/>
               <a:ea typeface="Arial Unicode MS" panose="020B0604020202020204" pitchFamily="50" charset="-128"/>
               <a:cs typeface="Arial Unicode MS" panose="020B0604020202020204" pitchFamily="50" charset="-128"/>
@@ -21134,7 +21174,7 @@
         </p:nvGraphicFramePr>
         <p:xfrm>
           <a:off x="321680" y="1333500"/>
-          <a:ext cx="7612062" cy="3657600"/>
+          <a:ext cx="7612062" cy="3657599"/>
         </p:xfrm>
         <a:graphic>
           <a:graphicData uri="http://schemas.openxmlformats.org/drawingml/2006/table">
@@ -21144,7 +21184,7 @@
                 <a:gridCol w="7612062">
                   <a:extLst>
                     <a:ext uri="{9D8B030D-6E8A-4147-A177-3AD203B41FA5}">
-                      <a16:colId xmlns:a16="http://schemas.microsoft.com/office/drawing/2014/main" xmlns="" val="20000"/>
+                      <a16:colId xmlns="" xmlns:a16="http://schemas.microsoft.com/office/drawing/2014/main" val="20000"/>
                     </a:ext>
                   </a:extLst>
                 </a:gridCol>
@@ -21209,7 +21249,7 @@
                 </a:tc>
                 <a:extLst>
                   <a:ext uri="{0D108BD9-81ED-4DB2-BD59-A6C34878D82A}">
-                    <a16:rowId xmlns:a16="http://schemas.microsoft.com/office/drawing/2014/main" xmlns="" val="10000"/>
+                    <a16:rowId xmlns="" xmlns:a16="http://schemas.microsoft.com/office/drawing/2014/main" val="10000"/>
                   </a:ext>
                 </a:extLst>
               </a:tr>
@@ -21422,7 +21462,7 @@
                 </a:tc>
                 <a:extLst>
                   <a:ext uri="{0D108BD9-81ED-4DB2-BD59-A6C34878D82A}">
-                    <a16:rowId xmlns:a16="http://schemas.microsoft.com/office/drawing/2014/main" xmlns="" val="10001"/>
+                    <a16:rowId xmlns="" xmlns:a16="http://schemas.microsoft.com/office/drawing/2014/main" val="10001"/>
                   </a:ext>
                 </a:extLst>
               </a:tr>
@@ -21507,7 +21547,7 @@
                 </a:tc>
                 <a:extLst>
                   <a:ext uri="{0D108BD9-81ED-4DB2-BD59-A6C34878D82A}">
-                    <a16:rowId xmlns:a16="http://schemas.microsoft.com/office/drawing/2014/main" xmlns="" val="10002"/>
+                    <a16:rowId xmlns="" xmlns:a16="http://schemas.microsoft.com/office/drawing/2014/main" val="10002"/>
                   </a:ext>
                 </a:extLst>
               </a:tr>
@@ -21570,7 +21610,7 @@
                 </a:tc>
                 <a:extLst>
                   <a:ext uri="{0D108BD9-81ED-4DB2-BD59-A6C34878D82A}">
-                    <a16:rowId xmlns:a16="http://schemas.microsoft.com/office/drawing/2014/main" xmlns="" val="10003"/>
+                    <a16:rowId xmlns="" xmlns:a16="http://schemas.microsoft.com/office/drawing/2014/main" val="10003"/>
                   </a:ext>
                 </a:extLst>
               </a:tr>
@@ -21723,7 +21763,7 @@
   <p:timing>
     <p:tnLst>
       <p:par>
-        <p:cTn id="1" dur="indefinite" restart="never" nodeType="tmRoot"/>
+        <p:cTn xmlns:p14="http://schemas.microsoft.com/office/powerpoint/2010/main" id="1" dur="indefinite" restart="never" nodeType="tmRoot"/>
       </p:par>
     </p:tnLst>
   </p:timing>
@@ -21779,7 +21819,7 @@
               <a:defRPr/>
             </a:pPr>
             <a:r>
-              <a:rPr lang="en-US" altLang="zh-CN" sz="1600" b="0" dirty="0">
+              <a:rPr lang="zh-CN" altLang="en-US" sz="1600" b="0" dirty="0" smtClean="0">
                 <a:solidFill>
                   <a:srgbClr val="000000"/>
                 </a:solidFill>
@@ -21787,8 +21827,27 @@
                 <a:ea typeface="Arial Unicode MS" panose="020B0604020202020204" pitchFamily="50" charset="-128"/>
                 <a:cs typeface="Arial Unicode MS" panose="020B0604020202020204" pitchFamily="50" charset="-128"/>
               </a:rPr>
-              <a:t>Category of Angular Directive</a:t>
+              <a:t>指令的</a:t>
             </a:r>
+            <a:r>
+              <a:rPr lang="zh-CN" altLang="en-US" sz="1600" b="0" dirty="0" smtClean="0">
+                <a:solidFill>
+                  <a:srgbClr val="000000"/>
+                </a:solidFill>
+                <a:latin typeface="Arial Unicode MS" panose="020B0604020202020204" pitchFamily="50" charset="-128"/>
+                <a:ea typeface="Arial Unicode MS" panose="020B0604020202020204" pitchFamily="50" charset="-128"/>
+                <a:cs typeface="Arial Unicode MS" panose="020B0604020202020204" pitchFamily="50" charset="-128"/>
+              </a:rPr>
+              <a:t>分类</a:t>
+            </a:r>
+            <a:endParaRPr lang="en-US" altLang="zh-CN" sz="1600" b="0" dirty="0">
+              <a:solidFill>
+                <a:srgbClr val="000000"/>
+              </a:solidFill>
+              <a:latin typeface="Arial Unicode MS" panose="020B0604020202020204" pitchFamily="50" charset="-128"/>
+              <a:ea typeface="Arial Unicode MS" panose="020B0604020202020204" pitchFamily="50" charset="-128"/>
+              <a:cs typeface="Arial Unicode MS" panose="020B0604020202020204" pitchFamily="50" charset="-128"/>
+            </a:endParaRPr>
           </a:p>
         </p:txBody>
       </p:sp>
@@ -22432,7 +22491,7 @@
   <p:timing>
     <p:tnLst>
       <p:par>
-        <p:cTn id="1" dur="indefinite" restart="never" nodeType="tmRoot"/>
+        <p:cTn xmlns:p14="http://schemas.microsoft.com/office/powerpoint/2010/main" id="1" dur="indefinite" restart="never" nodeType="tmRoot"/>
       </p:par>
     </p:tnLst>
   </p:timing>
@@ -22479,34 +22538,12 @@
           <a:lstStyle/>
           <a:p>
             <a:r>
-              <a:rPr lang="en-US" sz="1600" b="0" dirty="0">
-                <a:solidFill>
-                  <a:srgbClr val="000000"/>
-                </a:solidFill>
+              <a:rPr lang="zh-CN" altLang="en-US" sz="1600" dirty="0" smtClean="0">
                 <a:latin typeface="Arial Unicode MS" panose="020B0604020202020204" pitchFamily="50" charset="-128"/>
                 <a:ea typeface="Arial Unicode MS" panose="020B0604020202020204" pitchFamily="50" charset="-128"/>
                 <a:cs typeface="Arial Unicode MS" panose="020B0604020202020204" pitchFamily="50" charset="-128"/>
               </a:rPr>
-              <a:t>Components</a:t>
-            </a:r>
-            <a:r>
-              <a:rPr lang="en-US" sz="1600" dirty="0">
-                <a:latin typeface="Arial Unicode MS" panose="020B0604020202020204" pitchFamily="50" charset="-128"/>
-                <a:ea typeface="Arial Unicode MS" panose="020B0604020202020204" pitchFamily="50" charset="-128"/>
-                <a:cs typeface="Arial Unicode MS" panose="020B0604020202020204" pitchFamily="50" charset="-128"/>
-              </a:rPr>
-              <a:t> </a:t>
-            </a:r>
-            <a:r>
-              <a:rPr lang="en-US" altLang="ja-JP" sz="1600" b="0" dirty="0" smtClean="0">
-                <a:solidFill>
-                  <a:srgbClr val="000000"/>
-                </a:solidFill>
-                <a:latin typeface="Arial Unicode MS" panose="020B0604020202020204" pitchFamily="50" charset="-128"/>
-                <a:ea typeface="Arial Unicode MS" panose="020B0604020202020204" pitchFamily="50" charset="-128"/>
-                <a:cs typeface="Arial Unicode MS" panose="020B0604020202020204" pitchFamily="50" charset="-128"/>
-              </a:rPr>
-              <a:t>Directive</a:t>
+              <a:t>组件型指令</a:t>
             </a:r>
             <a:endParaRPr lang="en-US" sz="1600" b="0" dirty="0">
               <a:latin typeface="Arial Unicode MS" panose="020B0604020202020204" pitchFamily="50" charset="-128"/>
@@ -23050,7 +23087,7 @@
   <p:timing>
     <p:tnLst>
       <p:par>
-        <p:cTn id="1" dur="indefinite" restart="never" nodeType="tmRoot"/>
+        <p:cTn xmlns:p14="http://schemas.microsoft.com/office/powerpoint/2010/main" id="1" dur="indefinite" restart="never" nodeType="tmRoot"/>
       </p:par>
     </p:tnLst>
   </p:timing>
@@ -23092,7 +23129,7 @@
           <a:lstStyle/>
           <a:p>
             <a:r>
-              <a:rPr lang="en-US" sz="1600" b="0" dirty="0">
+              <a:rPr lang="zh-CN" altLang="en-US" sz="1600" b="0" dirty="0" smtClean="0">
                 <a:solidFill>
                   <a:schemeClr val="dk1"/>
                 </a:solidFill>
@@ -23100,18 +23137,7 @@
                 <a:ea typeface="Arial Unicode MS" panose="020B0604020202020204" pitchFamily="50" charset="-128"/>
                 <a:cs typeface="Arial Unicode MS" panose="020B0604020202020204" pitchFamily="50" charset="-128"/>
               </a:rPr>
-              <a:t>Structural </a:t>
-            </a:r>
-            <a:r>
-              <a:rPr lang="en-US" altLang="ja-JP" sz="1600" b="0" dirty="0">
-                <a:solidFill>
-                  <a:schemeClr val="dk1"/>
-                </a:solidFill>
-                <a:latin typeface="Arial Unicode MS" panose="020B0604020202020204" pitchFamily="50" charset="-128"/>
-                <a:ea typeface="Arial Unicode MS" panose="020B0604020202020204" pitchFamily="50" charset="-128"/>
-                <a:cs typeface="Arial Unicode MS" panose="020B0604020202020204" pitchFamily="50" charset="-128"/>
-              </a:rPr>
-              <a:t>Directive</a:t>
+              <a:t>结构型指令</a:t>
             </a:r>
             <a:endParaRPr lang="en-US" sz="1600" b="0" dirty="0">
               <a:solidFill>

--- a/PPT/06-Accenture-FS-Angular-Directive.pptx
+++ b/PPT/06-Accenture-FS-Angular-Directive.pptx
@@ -160,7 +160,7 @@
   </p:defaultTextStyle>
   <p:extLst>
     <p:ext uri="{EFAFB233-063F-42B5-8137-9DF3F51BA10A}">
-      <p15:sldGuideLst xmlns:p15="http://schemas.microsoft.com/office/powerpoint/2012/main" xmlns="">
+      <p15:sldGuideLst xmlns="" xmlns:p15="http://schemas.microsoft.com/office/powerpoint/2012/main">
         <p15:guide id="1" orient="horz" pos="1275">
           <p15:clr>
             <a:srgbClr val="A4A3A4"/>
@@ -199,7 +199,7 @@
       </p15:sldGuideLst>
     </p:ext>
     <p:ext uri="{2D200454-40CA-4A62-9FC3-DE9A4176ACB9}">
-      <p15:notesGuideLst xmlns:p15="http://schemas.microsoft.com/office/powerpoint/2012/main" xmlns="">
+      <p15:notesGuideLst xmlns="" xmlns:p15="http://schemas.microsoft.com/office/powerpoint/2012/main">
         <p15:guide id="1" orient="horz" pos="3223">
           <p15:clr>
             <a:srgbClr val="A4A3A4"/>
@@ -12771,13 +12771,13 @@
       </p:sp>
       <p:sp>
         <p:nvSpPr>
-          <p:cNvPr id="6" name="圆角矩形 2"/>
+          <p:cNvPr id="7" name="圆角矩形 2"/>
           <p:cNvSpPr/>
           <p:nvPr/>
         </p:nvSpPr>
         <p:spPr>
           <a:xfrm>
-            <a:off x="452569" y="2597028"/>
+            <a:off x="477229" y="2656702"/>
             <a:ext cx="3143739" cy="495300"/>
           </a:xfrm>
           <a:prstGeom prst="roundRect">
@@ -12804,33 +12804,22 @@
           <a:lstStyle/>
           <a:p>
             <a:r>
-              <a:rPr lang="en-US" sz="1100" b="0" dirty="0" smtClean="0">
-                <a:latin typeface="Arial Unicode MS" panose="020B0604020202020204" pitchFamily="50" charset="-128"/>
-                <a:ea typeface="Arial Unicode MS" panose="020B0604020202020204" pitchFamily="50" charset="-128"/>
-                <a:cs typeface="Arial Unicode MS" panose="020B0604020202020204" pitchFamily="50" charset="-128"/>
-              </a:rPr>
-              <a:t>Modify the behavior of an </a:t>
+              <a:rPr lang="en-US" sz="1100" b="0" dirty="0" smtClean="0"/>
+              <a:t>Display value property and responds to changing events</a:t>
             </a:r>
-            <a:r>
-              <a:rPr lang="en-US" sz="1100" b="0" dirty="0">
-                <a:latin typeface="Arial Unicode MS" panose="020B0604020202020204" pitchFamily="50" charset="-128"/>
-                <a:ea typeface="Arial Unicode MS" panose="020B0604020202020204" pitchFamily="50" charset="-128"/>
-                <a:cs typeface="Arial Unicode MS" panose="020B0604020202020204" pitchFamily="50" charset="-128"/>
-              </a:rPr>
-              <a:t>existing element</a:t>
-            </a:r>
+            <a:endParaRPr lang="en-US" sz="1100" b="0" dirty="0"/>
           </a:p>
         </p:txBody>
       </p:sp>
       <p:sp>
         <p:nvSpPr>
-          <p:cNvPr id="7" name="圆角矩形 2"/>
+          <p:cNvPr id="8" name="圆角矩形 2"/>
           <p:cNvSpPr/>
           <p:nvPr/>
         </p:nvSpPr>
         <p:spPr>
           <a:xfrm>
-            <a:off x="452570" y="3495073"/>
+            <a:off x="452567" y="1841336"/>
             <a:ext cx="3143739" cy="495300"/>
           </a:xfrm>
           <a:prstGeom prst="roundRect">
@@ -12857,48 +12846,6 @@
           <a:lstStyle/>
           <a:p>
             <a:r>
-              <a:rPr lang="en-US" sz="1100" b="0" dirty="0" smtClean="0"/>
-              <a:t>Display value property and responds to changing events</a:t>
-            </a:r>
-            <a:endParaRPr lang="en-US" sz="1100" b="0" dirty="0"/>
-          </a:p>
-        </p:txBody>
-      </p:sp>
-      <p:sp>
-        <p:nvSpPr>
-          <p:cNvPr id="8" name="圆角矩形 2"/>
-          <p:cNvSpPr/>
-          <p:nvPr/>
-        </p:nvSpPr>
-        <p:spPr>
-          <a:xfrm>
-            <a:off x="452568" y="1718046"/>
-            <a:ext cx="3143739" cy="495300"/>
-          </a:xfrm>
-          <a:prstGeom prst="roundRect">
-            <a:avLst/>
-          </a:prstGeom>
-          <a:ln/>
-        </p:spPr>
-        <p:style>
-          <a:lnRef idx="2">
-            <a:schemeClr val="accent2"/>
-          </a:lnRef>
-          <a:fillRef idx="1">
-            <a:schemeClr val="lt1"/>
-          </a:fillRef>
-          <a:effectRef idx="0">
-            <a:schemeClr val="accent2"/>
-          </a:effectRef>
-          <a:fontRef idx="minor">
-            <a:schemeClr val="dk1"/>
-          </a:fontRef>
-        </p:style>
-        <p:txBody>
-          <a:bodyPr rtlCol="0" anchor="ctr"/>
-          <a:lstStyle/>
-          <a:p>
-            <a:r>
               <a:rPr lang="en-US" sz="1100" b="0" dirty="0" smtClean="0">
                 <a:latin typeface="Arial Unicode MS" panose="020B0604020202020204" pitchFamily="50" charset="-128"/>
                 <a:ea typeface="Arial Unicode MS" panose="020B0604020202020204" pitchFamily="50" charset="-128"/>
@@ -12936,7 +12883,7 @@
         </p:blipFill>
         <p:spPr>
           <a:xfrm>
-            <a:off x="2160253" y="4548163"/>
+            <a:off x="2160253" y="3919384"/>
             <a:ext cx="6528135" cy="1447874"/>
           </a:xfrm>
           <a:prstGeom prst="rect">
@@ -14573,7 +14520,23 @@
                 <a:ea typeface="Arial Unicode MS" panose="020B0604020202020204" pitchFamily="50" charset="-128"/>
                 <a:cs typeface="Arial Unicode MS" panose="020B0604020202020204" pitchFamily="50" charset="-128"/>
               </a:rPr>
-              <a:t>Provides the functionality of the @Directive decorator </a:t>
+              <a:t>Provides the functionality of the </a:t>
+            </a:r>
+            <a:r>
+              <a:rPr lang="en-US" sz="1100" b="0" dirty="0" smtClean="0">
+                <a:latin typeface="Arial Unicode MS" panose="020B0604020202020204" pitchFamily="50" charset="-128"/>
+                <a:ea typeface="Arial Unicode MS" panose="020B0604020202020204" pitchFamily="50" charset="-128"/>
+                <a:cs typeface="Arial Unicode MS" panose="020B0604020202020204" pitchFamily="50" charset="-128"/>
+              </a:rPr>
+              <a:t>Directive </a:t>
+            </a:r>
+            <a:r>
+              <a:rPr lang="en-US" sz="1100" b="0" dirty="0" smtClean="0">
+                <a:latin typeface="Arial Unicode MS" panose="020B0604020202020204" pitchFamily="50" charset="-128"/>
+                <a:ea typeface="Arial Unicode MS" panose="020B0604020202020204" pitchFamily="50" charset="-128"/>
+                <a:cs typeface="Arial Unicode MS" panose="020B0604020202020204" pitchFamily="50" charset="-128"/>
+              </a:rPr>
+              <a:t>decorator </a:t>
             </a:r>
             <a:endParaRPr lang="en-US" sz="1100" b="0" dirty="0">
               <a:latin typeface="Arial Unicode MS" panose="020B0604020202020204" pitchFamily="50" charset="-128"/>
@@ -16129,21 +16092,21 @@
                 <a:gridCol w="2207053">
                   <a:extLst>
                     <a:ext uri="{9D8B030D-6E8A-4147-A177-3AD203B41FA5}">
-                      <a16:colId xmlns:a16="http://schemas.microsoft.com/office/drawing/2014/main" xmlns="" val="1427776139"/>
+                      <a16:colId xmlns="" xmlns:a16="http://schemas.microsoft.com/office/drawing/2014/main" val="1427776139"/>
                     </a:ext>
                   </a:extLst>
                 </a:gridCol>
                 <a:gridCol w="3192433">
                   <a:extLst>
                     <a:ext uri="{9D8B030D-6E8A-4147-A177-3AD203B41FA5}">
-                      <a16:colId xmlns:a16="http://schemas.microsoft.com/office/drawing/2014/main" xmlns="" val="3370170297"/>
+                      <a16:colId xmlns="" xmlns:a16="http://schemas.microsoft.com/office/drawing/2014/main" val="3370170297"/>
                     </a:ext>
                   </a:extLst>
                 </a:gridCol>
                 <a:gridCol w="3111969">
                   <a:extLst>
                     <a:ext uri="{9D8B030D-6E8A-4147-A177-3AD203B41FA5}">
-                      <a16:colId xmlns:a16="http://schemas.microsoft.com/office/drawing/2014/main" xmlns="" val="784783711"/>
+                      <a16:colId xmlns="" xmlns:a16="http://schemas.microsoft.com/office/drawing/2014/main" val="784783711"/>
                     </a:ext>
                   </a:extLst>
                 </a:gridCol>
@@ -16214,7 +16177,7 @@
                 </a:tc>
                 <a:extLst>
                   <a:ext uri="{0D108BD9-81ED-4DB2-BD59-A6C34878D82A}">
-                    <a16:rowId xmlns:a16="http://schemas.microsoft.com/office/drawing/2014/main" xmlns="" val="2469836323"/>
+                    <a16:rowId xmlns="" xmlns:a16="http://schemas.microsoft.com/office/drawing/2014/main" val="2469836323"/>
                   </a:ext>
                 </a:extLst>
               </a:tr>
@@ -16323,7 +16286,7 @@
                 </a:tc>
                 <a:extLst>
                   <a:ext uri="{0D108BD9-81ED-4DB2-BD59-A6C34878D82A}">
-                    <a16:rowId xmlns:a16="http://schemas.microsoft.com/office/drawing/2014/main" xmlns="" val="4026608687"/>
+                    <a16:rowId xmlns="" xmlns:a16="http://schemas.microsoft.com/office/drawing/2014/main" val="4026608687"/>
                   </a:ext>
                 </a:extLst>
               </a:tr>
@@ -16654,7 +16617,7 @@
                 <a:gridCol w="7612062">
                   <a:extLst>
                     <a:ext uri="{9D8B030D-6E8A-4147-A177-3AD203B41FA5}">
-                      <a16:colId xmlns="" xmlns:a16="http://schemas.microsoft.com/office/drawing/2014/main" val="20000"/>
+                      <a16:colId xmlns:a16="http://schemas.microsoft.com/office/drawing/2014/main" xmlns="" val="20000"/>
                     </a:ext>
                   </a:extLst>
                 </a:gridCol>
@@ -16719,7 +16682,7 @@
                 </a:tc>
                 <a:extLst>
                   <a:ext uri="{0D108BD9-81ED-4DB2-BD59-A6C34878D82A}">
-                    <a16:rowId xmlns="" xmlns:a16="http://schemas.microsoft.com/office/drawing/2014/main" val="10000"/>
+                    <a16:rowId xmlns:a16="http://schemas.microsoft.com/office/drawing/2014/main" xmlns="" val="10000"/>
                   </a:ext>
                 </a:extLst>
               </a:tr>
@@ -17169,7 +17132,7 @@
                 </a:tc>
                 <a:extLst>
                   <a:ext uri="{0D108BD9-81ED-4DB2-BD59-A6C34878D82A}">
-                    <a16:rowId xmlns="" xmlns:a16="http://schemas.microsoft.com/office/drawing/2014/main" val="10001"/>
+                    <a16:rowId xmlns:a16="http://schemas.microsoft.com/office/drawing/2014/main" xmlns="" val="10001"/>
                   </a:ext>
                 </a:extLst>
               </a:tr>
@@ -17263,7 +17226,7 @@
                 </a:tc>
                 <a:extLst>
                   <a:ext uri="{0D108BD9-81ED-4DB2-BD59-A6C34878D82A}">
-                    <a16:rowId xmlns="" xmlns:a16="http://schemas.microsoft.com/office/drawing/2014/main" val="10002"/>
+                    <a16:rowId xmlns:a16="http://schemas.microsoft.com/office/drawing/2014/main" xmlns="" val="10002"/>
                   </a:ext>
                 </a:extLst>
               </a:tr>
@@ -17326,7 +17289,7 @@
                 </a:tc>
                 <a:extLst>
                   <a:ext uri="{0D108BD9-81ED-4DB2-BD59-A6C34878D82A}">
-                    <a16:rowId xmlns="" xmlns:a16="http://schemas.microsoft.com/office/drawing/2014/main" val="10003"/>
+                    <a16:rowId xmlns:a16="http://schemas.microsoft.com/office/drawing/2014/main" xmlns="" val="10003"/>
                   </a:ext>
                 </a:extLst>
               </a:tr>
@@ -20482,6 +20445,61 @@
           </a:p>
         </p:txBody>
       </p:sp>
+      <p:sp>
+        <p:nvSpPr>
+          <p:cNvPr id="31" name="圆角矩形 34"/>
+          <p:cNvSpPr/>
+          <p:nvPr/>
+        </p:nvSpPr>
+        <p:spPr>
+          <a:xfrm>
+            <a:off x="5359790" y="5165571"/>
+            <a:ext cx="699765" cy="201897"/>
+          </a:xfrm>
+          <a:prstGeom prst="roundRect">
+            <a:avLst/>
+          </a:prstGeom>
+          <a:solidFill>
+            <a:schemeClr val="bg1">
+              <a:lumMod val="75000"/>
+            </a:schemeClr>
+          </a:solidFill>
+          <a:ln>
+            <a:noFill/>
+          </a:ln>
+        </p:spPr>
+        <p:style>
+          <a:lnRef idx="2">
+            <a:schemeClr val="accent1">
+              <a:shade val="50000"/>
+            </a:schemeClr>
+          </a:lnRef>
+          <a:fillRef idx="1">
+            <a:schemeClr val="accent1"/>
+          </a:fillRef>
+          <a:effectRef idx="0">
+            <a:schemeClr val="accent1"/>
+          </a:effectRef>
+          <a:fontRef idx="minor">
+            <a:schemeClr val="lt1"/>
+          </a:fontRef>
+        </p:style>
+        <p:txBody>
+          <a:bodyPr rtlCol="0" anchor="ctr"/>
+          <a:lstStyle/>
+          <a:p>
+            <a:pPr algn="ctr"/>
+            <a:r>
+              <a:rPr kumimoji="1" lang="en-US" altLang="zh-CN" sz="900" dirty="0" smtClean="0">
+                <a:solidFill>
+                  <a:schemeClr val="bg1"/>
+                </a:solidFill>
+              </a:rPr>
+              <a:t>Directive</a:t>
+            </a:r>
+          </a:p>
+        </p:txBody>
+      </p:sp>
     </p:spTree>
     <p:extLst>
       <p:ext uri="{BB962C8B-B14F-4D97-AF65-F5344CB8AC3E}">
@@ -20587,7 +20605,7 @@
                 <a:gridCol w="7612062">
                   <a:extLst>
                     <a:ext uri="{9D8B030D-6E8A-4147-A177-3AD203B41FA5}">
-                      <a16:colId xmlns="" xmlns:a16="http://schemas.microsoft.com/office/drawing/2014/main" val="20000"/>
+                      <a16:colId xmlns:a16="http://schemas.microsoft.com/office/drawing/2014/main" xmlns="" val="20000"/>
                     </a:ext>
                   </a:extLst>
                 </a:gridCol>
@@ -20652,7 +20670,7 @@
                 </a:tc>
                 <a:extLst>
                   <a:ext uri="{0D108BD9-81ED-4DB2-BD59-A6C34878D82A}">
-                    <a16:rowId xmlns="" xmlns:a16="http://schemas.microsoft.com/office/drawing/2014/main" val="10000"/>
+                    <a16:rowId xmlns:a16="http://schemas.microsoft.com/office/drawing/2014/main" xmlns="" val="10000"/>
                   </a:ext>
                 </a:extLst>
               </a:tr>
@@ -20810,7 +20828,7 @@
                 </a:tc>
                 <a:extLst>
                   <a:ext uri="{0D108BD9-81ED-4DB2-BD59-A6C34878D82A}">
-                    <a16:rowId xmlns="" xmlns:a16="http://schemas.microsoft.com/office/drawing/2014/main" val="10001"/>
+                    <a16:rowId xmlns:a16="http://schemas.microsoft.com/office/drawing/2014/main" xmlns="" val="10001"/>
                   </a:ext>
                 </a:extLst>
               </a:tr>
@@ -20895,7 +20913,7 @@
                 </a:tc>
                 <a:extLst>
                   <a:ext uri="{0D108BD9-81ED-4DB2-BD59-A6C34878D82A}">
-                    <a16:rowId xmlns="" xmlns:a16="http://schemas.microsoft.com/office/drawing/2014/main" val="10002"/>
+                    <a16:rowId xmlns:a16="http://schemas.microsoft.com/office/drawing/2014/main" xmlns="" val="10002"/>
                   </a:ext>
                 </a:extLst>
               </a:tr>
@@ -20958,7 +20976,7 @@
                 </a:tc>
                 <a:extLst>
                   <a:ext uri="{0D108BD9-81ED-4DB2-BD59-A6C34878D82A}">
-                    <a16:rowId xmlns="" xmlns:a16="http://schemas.microsoft.com/office/drawing/2014/main" val="10003"/>
+                    <a16:rowId xmlns:a16="http://schemas.microsoft.com/office/drawing/2014/main" xmlns="" val="10003"/>
                   </a:ext>
                 </a:extLst>
               </a:tr>
@@ -21184,7 +21202,7 @@
                 <a:gridCol w="7612062">
                   <a:extLst>
                     <a:ext uri="{9D8B030D-6E8A-4147-A177-3AD203B41FA5}">
-                      <a16:colId xmlns="" xmlns:a16="http://schemas.microsoft.com/office/drawing/2014/main" val="20000"/>
+                      <a16:colId xmlns:a16="http://schemas.microsoft.com/office/drawing/2014/main" xmlns="" val="20000"/>
                     </a:ext>
                   </a:extLst>
                 </a:gridCol>
@@ -21249,7 +21267,7 @@
                 </a:tc>
                 <a:extLst>
                   <a:ext uri="{0D108BD9-81ED-4DB2-BD59-A6C34878D82A}">
-                    <a16:rowId xmlns="" xmlns:a16="http://schemas.microsoft.com/office/drawing/2014/main" val="10000"/>
+                    <a16:rowId xmlns:a16="http://schemas.microsoft.com/office/drawing/2014/main" xmlns="" val="10000"/>
                   </a:ext>
                 </a:extLst>
               </a:tr>
@@ -21462,7 +21480,7 @@
                 </a:tc>
                 <a:extLst>
                   <a:ext uri="{0D108BD9-81ED-4DB2-BD59-A6C34878D82A}">
-                    <a16:rowId xmlns="" xmlns:a16="http://schemas.microsoft.com/office/drawing/2014/main" val="10001"/>
+                    <a16:rowId xmlns:a16="http://schemas.microsoft.com/office/drawing/2014/main" xmlns="" val="10001"/>
                   </a:ext>
                 </a:extLst>
               </a:tr>
@@ -21547,7 +21565,7 @@
                 </a:tc>
                 <a:extLst>
                   <a:ext uri="{0D108BD9-81ED-4DB2-BD59-A6C34878D82A}">
-                    <a16:rowId xmlns="" xmlns:a16="http://schemas.microsoft.com/office/drawing/2014/main" val="10002"/>
+                    <a16:rowId xmlns:a16="http://schemas.microsoft.com/office/drawing/2014/main" xmlns="" val="10002"/>
                   </a:ext>
                 </a:extLst>
               </a:tr>
@@ -21610,7 +21628,7 @@
                 </a:tc>
                 <a:extLst>
                   <a:ext uri="{0D108BD9-81ED-4DB2-BD59-A6C34878D82A}">
-                    <a16:rowId xmlns="" xmlns:a16="http://schemas.microsoft.com/office/drawing/2014/main" val="10003"/>
+                    <a16:rowId xmlns:a16="http://schemas.microsoft.com/office/drawing/2014/main" xmlns="" val="10003"/>
                   </a:ext>
                 </a:extLst>
               </a:tr>
@@ -21827,18 +21845,7 @@
                 <a:ea typeface="Arial Unicode MS" panose="020B0604020202020204" pitchFamily="50" charset="-128"/>
                 <a:cs typeface="Arial Unicode MS" panose="020B0604020202020204" pitchFamily="50" charset="-128"/>
               </a:rPr>
-              <a:t>指令的</a:t>
-            </a:r>
-            <a:r>
-              <a:rPr lang="zh-CN" altLang="en-US" sz="1600" b="0" dirty="0" smtClean="0">
-                <a:solidFill>
-                  <a:srgbClr val="000000"/>
-                </a:solidFill>
-                <a:latin typeface="Arial Unicode MS" panose="020B0604020202020204" pitchFamily="50" charset="-128"/>
-                <a:ea typeface="Arial Unicode MS" panose="020B0604020202020204" pitchFamily="50" charset="-128"/>
-                <a:cs typeface="Arial Unicode MS" panose="020B0604020202020204" pitchFamily="50" charset="-128"/>
-              </a:rPr>
-              <a:t>分类</a:t>
+              <a:t>指令的分类</a:t>
             </a:r>
             <a:endParaRPr lang="en-US" altLang="zh-CN" sz="1600" b="0" dirty="0">
               <a:solidFill>
@@ -23523,6 +23530,35 @@
           </a:fontRef>
         </p:style>
       </p:cxnSp>
+      <p:sp>
+        <p:nvSpPr>
+          <p:cNvPr id="2" name="TextBox 1"/>
+          <p:cNvSpPr txBox="1"/>
+          <p:nvPr/>
+        </p:nvSpPr>
+        <p:spPr>
+          <a:xfrm>
+            <a:off x="5228904" y="1280740"/>
+            <a:ext cx="3743645" cy="261610"/>
+          </a:xfrm>
+          <a:prstGeom prst="rect">
+            <a:avLst/>
+          </a:prstGeom>
+          <a:noFill/>
+        </p:spPr>
+        <p:txBody>
+          <a:bodyPr wrap="none" rtlCol="0">
+            <a:spAutoFit/>
+          </a:bodyPr>
+          <a:lstStyle/>
+          <a:p>
+            <a:r>
+              <a:rPr lang="en-US" sz="1100" dirty="0"/>
+              <a:t>https://angular.io/guide/structural-directives#asterisk</a:t>
+            </a:r>
+          </a:p>
+        </p:txBody>
+      </p:sp>
     </p:spTree>
     <p:extLst>
       <p:ext uri="{BB962C8B-B14F-4D97-AF65-F5344CB8AC3E}">
